--- a/ppt/第9章-系统设计概述.pptx
+++ b/ppt/第9章-系统设计概述.pptx
@@ -253,7 +253,7 @@
           <a:p>
             <a:fld id="{1422F3CC-357D-493A-AC3A-D56FADEA6296}" type="datetimeFigureOut">
               <a:rPr lang="zh-CN" altLang="en-US" smtClean="0"/>
-              <a:t>2018-04-17</a:t>
+              <a:t>2020-04-06</a:t>
             </a:fld>
             <a:endParaRPr lang="zh-CN" altLang="en-US"/>
           </a:p>
@@ -1110,7 +1110,7 @@
           <a:lstStyle/>
           <a:p>
             <a:r>
-              <a:rPr lang="zh-CN" altLang="en-US" sz="1200" b="0" i="0" kern="1200" dirty="0" smtClean="0">
+              <a:rPr lang="zh-CN" altLang="en-US" sz="1200" b="0" i="0" kern="1200" dirty="0">
                 <a:solidFill>
                   <a:schemeClr val="tx1"/>
                 </a:solidFill>
@@ -1122,7 +1122,7 @@
               <a:t>水波效应：指人们对</a:t>
             </a:r>
             <a:r>
-              <a:rPr lang="zh-CN" altLang="en-US" sz="1200" b="0" i="0" u="none" strike="noStrike" kern="1200" dirty="0" smtClean="0">
+              <a:rPr lang="zh-CN" altLang="en-US" sz="1200" b="0" i="0" u="none" strike="noStrike" kern="1200" dirty="0">
                 <a:solidFill>
                   <a:schemeClr val="tx1"/>
                 </a:solidFill>
@@ -1135,7 +1135,7 @@
               <a:t>程序</a:t>
             </a:r>
             <a:r>
-              <a:rPr lang="zh-CN" altLang="en-US" sz="1200" b="0" i="0" kern="1200" dirty="0" smtClean="0">
+              <a:rPr lang="zh-CN" altLang="en-US" sz="1200" b="0" i="0" kern="1200" dirty="0">
                 <a:solidFill>
                   <a:schemeClr val="tx1"/>
                 </a:solidFill>
@@ -1147,7 +1147,7 @@
               <a:t>的某一处甲进行</a:t>
             </a:r>
             <a:r>
-              <a:rPr lang="zh-CN" altLang="en-US" sz="1200" b="0" i="0" u="none" strike="noStrike" kern="1200" dirty="0" smtClean="0">
+              <a:rPr lang="zh-CN" altLang="en-US" sz="1200" b="0" i="0" u="none" strike="noStrike" kern="1200" dirty="0">
                 <a:solidFill>
                   <a:schemeClr val="tx1"/>
                 </a:solidFill>
@@ -1160,7 +1160,7 @@
               <a:t>修改</a:t>
             </a:r>
             <a:r>
-              <a:rPr lang="zh-CN" altLang="en-US" sz="1200" b="0" i="0" kern="1200" dirty="0" smtClean="0">
+              <a:rPr lang="zh-CN" altLang="en-US" sz="1200" b="0" i="0" kern="1200" dirty="0">
                 <a:solidFill>
                   <a:schemeClr val="tx1"/>
                 </a:solidFill>
@@ -1262,7 +1262,7 @@
           <a:lstStyle/>
           <a:p>
             <a:r>
-              <a:rPr lang="en-US" altLang="zh-CN" sz="1200" b="0" i="0" kern="1200" dirty="0" err="1" smtClean="0">
+              <a:rPr lang="en-US" altLang="zh-CN" sz="1200" b="0" i="0" kern="1200" dirty="0" err="1">
                 <a:solidFill>
                   <a:schemeClr val="tx1"/>
                 </a:solidFill>
@@ -1274,7 +1274,7 @@
               <a:t>SOA:Service</a:t>
             </a:r>
             <a:r>
-              <a:rPr lang="en-US" altLang="zh-CN" sz="1200" b="0" i="0" kern="1200" dirty="0" smtClean="0">
+              <a:rPr lang="en-US" altLang="zh-CN" sz="1200" b="0" i="0" kern="1200" dirty="0">
                 <a:solidFill>
                   <a:schemeClr val="tx1"/>
                 </a:solidFill>
@@ -1286,7 +1286,7 @@
               <a:t> Oriented Ambiguity(</a:t>
             </a:r>
             <a:r>
-              <a:rPr lang="zh-CN" altLang="en-US" sz="1200" b="0" i="0" kern="1200" dirty="0" smtClean="0">
+              <a:rPr lang="zh-CN" altLang="en-US" sz="1200" b="0" i="0" kern="1200" dirty="0">
                 <a:solidFill>
                   <a:schemeClr val="tx1"/>
                 </a:solidFill>
@@ -1298,7 +1298,7 @@
               <a:t>模糊</a:t>
             </a:r>
             <a:r>
-              <a:rPr lang="en-US" altLang="zh-CN" sz="1200" b="0" i="0" kern="1200" dirty="0" smtClean="0">
+              <a:rPr lang="en-US" altLang="zh-CN" sz="1200" b="0" i="0" kern="1200" dirty="0">
                 <a:solidFill>
                   <a:schemeClr val="tx1"/>
                 </a:solidFill>
@@ -1312,7 +1312,7 @@
           </a:p>
           <a:p>
             <a:r>
-              <a:rPr lang="zh-CN" altLang="en-US" sz="1200" b="0" i="0" kern="1200" dirty="0" smtClean="0">
+              <a:rPr lang="zh-CN" altLang="en-US" sz="1200" b="0" i="0" kern="1200" dirty="0">
                 <a:solidFill>
                   <a:schemeClr val="tx1"/>
                 </a:solidFill>
@@ -1324,7 +1324,7 @@
               <a:t>面向服务的</a:t>
             </a:r>
             <a:r>
-              <a:rPr lang="zh-CN" altLang="en-US" sz="1200" b="0" i="0" u="none" strike="noStrike" kern="1200" dirty="0" smtClean="0">
+              <a:rPr lang="zh-CN" altLang="en-US" sz="1200" b="0" i="0" u="none" strike="noStrike" kern="1200" dirty="0">
                 <a:solidFill>
                   <a:schemeClr val="tx1"/>
                 </a:solidFill>
@@ -1337,7 +1337,7 @@
               <a:t>体系结构</a:t>
             </a:r>
             <a:r>
-              <a:rPr lang="zh-CN" altLang="en-US" sz="1200" b="0" i="0" kern="1200" dirty="0" smtClean="0">
+              <a:rPr lang="zh-CN" altLang="en-US" sz="1200" b="0" i="0" kern="1200" dirty="0">
                 <a:solidFill>
                   <a:schemeClr val="tx1"/>
                 </a:solidFill>
@@ -7658,7 +7658,7 @@
           <a:lstStyle/>
           <a:p>
             <a:r>
-              <a:rPr lang="zh-CN" altLang="en-US" sz="4400" dirty="0" smtClean="0"/>
+              <a:rPr lang="zh-CN" altLang="en-US" sz="4400" dirty="0"/>
               <a:t>第</a:t>
             </a:r>
             <a:r>
@@ -7666,10 +7666,9 @@
               <a:t>9</a:t>
             </a:r>
             <a:r>
-              <a:rPr lang="zh-CN" altLang="en-US" sz="4400" dirty="0" smtClean="0"/>
+              <a:rPr lang="zh-CN" altLang="en-US" sz="4400" dirty="0"/>
               <a:t>章  系统设计概述</a:t>
             </a:r>
-            <a:endParaRPr lang="zh-CN" altLang="en-US" sz="4400" dirty="0"/>
           </a:p>
         </p:txBody>
       </p:sp>
@@ -7678,13 +7677,6 @@
   <p:clrMapOvr>
     <a:masterClrMapping/>
   </p:clrMapOvr>
-  <p:timing>
-    <p:tnLst>
-      <p:par>
-        <p:cTn id="1" dur="indefinite" restart="never" nodeType="tmRoot"/>
-      </p:par>
-    </p:tnLst>
-  </p:timing>
 </p:sld>
 </file>
 
@@ -7722,11 +7714,11 @@
           <a:p>
             <a:pPr eaLnBrk="1" hangingPunct="1"/>
             <a:r>
-              <a:rPr lang="en-US" altLang="zh-CN" smtClean="0"/>
+              <a:rPr lang="en-US" altLang="zh-CN"/>
               <a:t>1. </a:t>
             </a:r>
             <a:r>
-              <a:rPr lang="zh-CN" altLang="en-US" smtClean="0"/>
+              <a:rPr lang="zh-CN" altLang="en-US"/>
               <a:t>低劣设计带来的问题</a:t>
             </a:r>
           </a:p>
@@ -7763,15 +7755,15 @@
               </a:spcBef>
             </a:pPr>
             <a:r>
-              <a:rPr lang="zh-CN" altLang="en-US" sz="2400" dirty="0" smtClean="0"/>
+              <a:rPr lang="zh-CN" altLang="en-US" sz="2400" dirty="0"/>
               <a:t>不必要的复杂性</a:t>
             </a:r>
             <a:r>
-              <a:rPr lang="en-US" altLang="zh-CN" sz="2400" dirty="0" smtClean="0"/>
+              <a:rPr lang="en-US" altLang="zh-CN" sz="2400" dirty="0"/>
               <a:t>(needless complexity)</a:t>
             </a:r>
             <a:r>
-              <a:rPr lang="zh-CN" altLang="en-US" sz="2400" dirty="0" smtClean="0"/>
+              <a:rPr lang="zh-CN" altLang="en-US" sz="2400" dirty="0"/>
               <a:t>：过度设计，很多非常聪明的超前的结构目前还不需要，什么时候需要不得而知。</a:t>
             </a:r>
           </a:p>
@@ -7785,15 +7777,15 @@
               </a:spcBef>
             </a:pPr>
             <a:r>
-              <a:rPr lang="zh-CN" altLang="en-US" sz="2400" dirty="0" smtClean="0"/>
+              <a:rPr lang="zh-CN" altLang="en-US" sz="2400" dirty="0"/>
               <a:t>不必要的重复性（</a:t>
             </a:r>
             <a:r>
-              <a:rPr lang="en-US" altLang="zh-CN" sz="2400" dirty="0" smtClean="0"/>
+              <a:rPr lang="en-US" altLang="zh-CN" sz="2400" dirty="0"/>
               <a:t>needless repetition</a:t>
             </a:r>
             <a:r>
-              <a:rPr lang="zh-CN" altLang="en-US" sz="2400" dirty="0" smtClean="0"/>
+              <a:rPr lang="zh-CN" altLang="en-US" sz="2400" dirty="0"/>
               <a:t>）：因为忽视抽象而使很多代码看上去是重复的，将来修改一处时，导致多处修改。</a:t>
             </a:r>
           </a:p>
@@ -7807,15 +7799,15 @@
               </a:spcBef>
             </a:pPr>
             <a:r>
-              <a:rPr lang="zh-CN" altLang="en-US" sz="2400" dirty="0" smtClean="0"/>
+              <a:rPr lang="zh-CN" altLang="en-US" sz="2400" dirty="0"/>
               <a:t>晦涩性（</a:t>
             </a:r>
             <a:r>
-              <a:rPr lang="en-US" altLang="zh-CN" sz="2400" dirty="0" smtClean="0"/>
+              <a:rPr lang="en-US" altLang="zh-CN" sz="2400" dirty="0"/>
               <a:t>opacity</a:t>
             </a:r>
             <a:r>
-              <a:rPr lang="zh-CN" altLang="en-US" sz="2400" dirty="0" smtClean="0"/>
+              <a:rPr lang="zh-CN" altLang="en-US" sz="2400" dirty="0"/>
               <a:t>）：很难阅读、理解，不能很好地表现出设计者的意图，难以与需求规格描述进行对照。</a:t>
             </a:r>
           </a:p>
@@ -7829,7 +7821,7 @@
               </a:spcBef>
             </a:pPr>
             <a:r>
-              <a:rPr lang="zh-CN" altLang="en-US" sz="3200" dirty="0" smtClean="0"/>
+              <a:rPr lang="zh-CN" altLang="en-US" sz="3200" dirty="0"/>
               <a:t>一个低劣的建筑设计方案，技艺高超的工匠也无法造出精品。 </a:t>
             </a:r>
           </a:p>
@@ -7845,13 +7837,6 @@
   <p:clrMapOvr>
     <a:masterClrMapping/>
   </p:clrMapOvr>
-  <p:timing>
-    <p:tnLst>
-      <p:par>
-        <p:cTn id="1" dur="indefinite" restart="never" nodeType="tmRoot"/>
-      </p:par>
-    </p:tnLst>
-  </p:timing>
 </p:sld>
 </file>
 
@@ -7889,11 +7874,11 @@
           <a:p>
             <a:pPr eaLnBrk="1" hangingPunct="1"/>
             <a:r>
-              <a:rPr lang="en-US" altLang="zh-CN" smtClean="0"/>
+              <a:rPr lang="en-US" altLang="zh-CN"/>
               <a:t>2. </a:t>
             </a:r>
             <a:r>
-              <a:rPr lang="zh-CN" altLang="en-US" smtClean="0"/>
+              <a:rPr lang="zh-CN" altLang="en-US"/>
               <a:t>基本设计方法</a:t>
             </a:r>
           </a:p>
@@ -7930,11 +7915,11 @@
               </a:spcBef>
             </a:pPr>
             <a:r>
-              <a:rPr lang="zh-CN" altLang="en-US" dirty="0" smtClean="0"/>
+              <a:rPr lang="zh-CN" altLang="en-US" dirty="0"/>
               <a:t>为了设计出</a:t>
             </a:r>
             <a:r>
-              <a:rPr lang="zh-CN" altLang="en-US" sz="4400" dirty="0" smtClean="0">
+              <a:rPr lang="zh-CN" altLang="en-US" sz="4400" dirty="0">
                 <a:solidFill>
                   <a:srgbClr val="FF0000"/>
                 </a:solidFill>
@@ -7942,7 +7927,7 @@
               <a:t>结构良好</a:t>
             </a:r>
             <a:r>
-              <a:rPr lang="zh-CN" altLang="en-US" dirty="0" smtClean="0"/>
+              <a:rPr lang="zh-CN" altLang="en-US" dirty="0"/>
               <a:t>的系统，方法如下：</a:t>
             </a:r>
           </a:p>
@@ -7956,11 +7941,11 @@
               </a:spcBef>
             </a:pPr>
             <a:r>
-              <a:rPr lang="en-US" altLang="zh-CN" dirty="0" smtClean="0"/>
+              <a:rPr lang="en-US" altLang="zh-CN" dirty="0"/>
               <a:t>(1) </a:t>
             </a:r>
             <a:r>
-              <a:rPr lang="zh-CN" altLang="en-US" dirty="0" smtClean="0"/>
+              <a:rPr lang="zh-CN" altLang="en-US" dirty="0"/>
               <a:t>把系统划分为一些部分，其中每一部分的功能简单明确，内容简明易懂，易于修改。这样的组成单元可以是模块、类、组件、服务和子系统。</a:t>
             </a:r>
           </a:p>
@@ -7974,11 +7959,11 @@
               </a:spcBef>
             </a:pPr>
             <a:r>
-              <a:rPr lang="en-US" altLang="zh-CN" dirty="0" smtClean="0"/>
+              <a:rPr lang="en-US" altLang="zh-CN" dirty="0"/>
               <a:t>(2) </a:t>
             </a:r>
             <a:r>
-              <a:rPr lang="zh-CN" altLang="en-US" dirty="0" smtClean="0"/>
+              <a:rPr lang="zh-CN" altLang="en-US" dirty="0"/>
               <a:t>系统功能单元的划分按层次进行。整个系统分解成若干子系统，然后每个子系统按功能再分解为更小的功能单元（如菜单项、人机窗口界面、业务功能组件等），依次下去。最底层的基本单元可以设计成一个函数、子过程、或类的一个方法。</a:t>
             </a:r>
           </a:p>
@@ -7994,13 +7979,6 @@
   <p:clrMapOvr>
     <a:masterClrMapping/>
   </p:clrMapOvr>
-  <p:timing>
-    <p:tnLst>
-      <p:par>
-        <p:cTn id="1" dur="indefinite" restart="never" nodeType="tmRoot"/>
-      </p:par>
-    </p:tnLst>
-  </p:timing>
 </p:sld>
 </file>
 
@@ -8038,11 +8016,11 @@
           <a:p>
             <a:pPr eaLnBrk="1" hangingPunct="1"/>
             <a:r>
-              <a:rPr lang="en-US" altLang="zh-CN" smtClean="0"/>
+              <a:rPr lang="en-US" altLang="zh-CN"/>
               <a:t>2. </a:t>
             </a:r>
             <a:r>
-              <a:rPr lang="zh-CN" altLang="en-US" smtClean="0"/>
+              <a:rPr lang="zh-CN" altLang="en-US"/>
               <a:t>基本设计方法</a:t>
             </a:r>
           </a:p>
@@ -8079,22 +8057,22 @@
               </a:spcBef>
             </a:pPr>
             <a:r>
-              <a:rPr lang="en-US" altLang="zh-CN" dirty="0" smtClean="0"/>
+              <a:rPr lang="en-US" altLang="zh-CN" dirty="0"/>
               <a:t>(3) </a:t>
             </a:r>
             <a:r>
-              <a:rPr lang="zh-CN" altLang="en-US" dirty="0" smtClean="0"/>
+              <a:rPr lang="zh-CN" altLang="en-US" dirty="0"/>
               <a:t>每一个功能单元应尽可能封装为独立的元素，对外提供必要的使用接口，隐藏内部的数据、算法等实现细节，并尽可能减少各单元间的控制关系和数据交换，使得系统各部分之间是松耦合的状态。</a:t>
             </a:r>
             <a:r>
-              <a:rPr lang="zh-CN" altLang="en-US" sz="3600" dirty="0" smtClean="0">
+              <a:rPr lang="zh-CN" altLang="en-US" sz="3600" dirty="0">
                 <a:solidFill>
                   <a:srgbClr val="FF0000"/>
                 </a:solidFill>
               </a:rPr>
               <a:t>“独立而不孤立”</a:t>
             </a:r>
-            <a:endParaRPr lang="zh-CN" altLang="en-US" dirty="0" smtClean="0">
+            <a:endParaRPr lang="zh-CN" altLang="en-US" dirty="0">
               <a:solidFill>
                 <a:srgbClr val="FF0000"/>
               </a:solidFill>
@@ -8110,11 +8088,11 @@
               </a:spcBef>
             </a:pPr>
             <a:r>
-              <a:rPr lang="en-US" altLang="zh-CN" dirty="0" smtClean="0"/>
+              <a:rPr lang="en-US" altLang="zh-CN" dirty="0"/>
               <a:t>(4) </a:t>
             </a:r>
             <a:r>
-              <a:rPr lang="zh-CN" altLang="en-US" dirty="0" smtClean="0"/>
+              <a:rPr lang="zh-CN" altLang="en-US" dirty="0"/>
               <a:t>各功能单元对外的接口、以及相互间的控制和依赖等关系要阐明。这样，在修改时可以追踪和控制。 </a:t>
             </a:r>
           </a:p>
@@ -8130,13 +8108,6 @@
   <p:clrMapOvr>
     <a:masterClrMapping/>
   </p:clrMapOvr>
-  <p:timing>
-    <p:tnLst>
-      <p:par>
-        <p:cTn id="1" dur="indefinite" restart="never" nodeType="tmRoot"/>
-      </p:par>
-    </p:tnLst>
-  </p:timing>
 </p:sld>
 </file>
 
@@ -8174,11 +8145,11 @@
           <a:p>
             <a:pPr eaLnBrk="1" hangingPunct="1"/>
             <a:r>
-              <a:rPr lang="en-US" altLang="zh-CN" smtClean="0"/>
+              <a:rPr lang="en-US" altLang="zh-CN"/>
               <a:t>3. </a:t>
             </a:r>
             <a:r>
-              <a:rPr lang="zh-CN" altLang="en-US" smtClean="0"/>
+              <a:rPr lang="zh-CN" altLang="en-US"/>
               <a:t>系统设计师的素质要求</a:t>
             </a:r>
           </a:p>
@@ -8212,10 +8183,10 @@
               </a:spcBef>
             </a:pPr>
             <a:r>
-              <a:rPr lang="zh-CN" altLang="en-US" sz="3600" dirty="0" smtClean="0"/>
+              <a:rPr lang="zh-CN" altLang="en-US" sz="3600" dirty="0"/>
               <a:t>创造性设计思维；</a:t>
             </a:r>
-            <a:endParaRPr lang="en-US" altLang="zh-CN" sz="3600" dirty="0" smtClean="0"/>
+            <a:endParaRPr lang="en-US" altLang="zh-CN" sz="3600" dirty="0"/>
           </a:p>
           <a:p>
             <a:pPr eaLnBrk="1" hangingPunct="1">
@@ -8224,10 +8195,10 @@
               </a:spcBef>
             </a:pPr>
             <a:r>
-              <a:rPr lang="zh-CN" altLang="en-US" sz="3600" dirty="0" smtClean="0"/>
+              <a:rPr lang="zh-CN" altLang="en-US" sz="3600" dirty="0"/>
               <a:t>丰富的编程经验和很强的逻辑思维能力；</a:t>
             </a:r>
-            <a:endParaRPr lang="en-US" altLang="zh-CN" sz="3600" dirty="0" smtClean="0"/>
+            <a:endParaRPr lang="en-US" altLang="zh-CN" sz="3600" dirty="0"/>
           </a:p>
           <a:p>
             <a:pPr eaLnBrk="1" hangingPunct="1">
@@ -8236,10 +8207,10 @@
               </a:spcBef>
             </a:pPr>
             <a:r>
-              <a:rPr lang="zh-CN" altLang="en-US" sz="3600" dirty="0" smtClean="0"/>
+              <a:rPr lang="zh-CN" altLang="en-US" sz="3600" dirty="0"/>
               <a:t>具备将复杂的问题分解成简单问题的能力，设计易于使用和维护的软件结构，并保证较好的重用性；</a:t>
             </a:r>
-            <a:endParaRPr lang="en-US" altLang="zh-CN" sz="3600" dirty="0" smtClean="0"/>
+            <a:endParaRPr lang="en-US" altLang="zh-CN" sz="3600" dirty="0"/>
           </a:p>
         </p:txBody>
       </p:sp>
@@ -8253,13 +8224,6 @@
   <p:clrMapOvr>
     <a:masterClrMapping/>
   </p:clrMapOvr>
-  <p:timing>
-    <p:tnLst>
-      <p:par>
-        <p:cTn id="1" dur="indefinite" restart="never" nodeType="tmRoot"/>
-      </p:par>
-    </p:tnLst>
-  </p:timing>
 </p:sld>
 </file>
 
@@ -8297,11 +8261,11 @@
           <a:p>
             <a:pPr eaLnBrk="1" hangingPunct="1"/>
             <a:r>
-              <a:rPr lang="en-US" altLang="zh-CN" smtClean="0"/>
+              <a:rPr lang="en-US" altLang="zh-CN"/>
               <a:t>3. </a:t>
             </a:r>
             <a:r>
-              <a:rPr lang="zh-CN" altLang="en-US" smtClean="0"/>
+              <a:rPr lang="zh-CN" altLang="en-US"/>
               <a:t>系统设计师的素质要求</a:t>
             </a:r>
           </a:p>
@@ -8335,10 +8299,10 @@
               </a:spcBef>
             </a:pPr>
             <a:r>
-              <a:rPr lang="zh-CN" altLang="en-US" sz="3600" dirty="0" smtClean="0"/>
+              <a:rPr lang="zh-CN" altLang="en-US" sz="3600" dirty="0"/>
               <a:t>应对系统结构尤其是软件结构具有较强美感，善于运用巧妙优美的设计模式；</a:t>
             </a:r>
-            <a:endParaRPr lang="en-US" altLang="zh-CN" sz="3600" dirty="0" smtClean="0"/>
+            <a:endParaRPr lang="en-US" altLang="zh-CN" sz="3600" dirty="0"/>
           </a:p>
           <a:p>
             <a:pPr eaLnBrk="1" hangingPunct="1">
@@ -8347,7 +8311,7 @@
               </a:spcBef>
             </a:pPr>
             <a:r>
-              <a:rPr lang="zh-CN" altLang="en-US" sz="3600" dirty="0" smtClean="0"/>
+              <a:rPr lang="zh-CN" altLang="en-US" sz="3600" dirty="0"/>
               <a:t>应有大局观，懂得平衡各种开发局限的制约，权衡时间、进度成本与系统质量、性能等因素提出最佳方案。</a:t>
             </a:r>
           </a:p>
@@ -8363,13 +8327,6 @@
   <p:clrMapOvr>
     <a:masterClrMapping/>
   </p:clrMapOvr>
-  <p:timing>
-    <p:tnLst>
-      <p:par>
-        <p:cTn id="1" dur="indefinite" restart="never" nodeType="tmRoot"/>
-      </p:par>
-    </p:tnLst>
-  </p:timing>
 </p:sld>
 </file>
 
@@ -8407,7 +8364,7 @@
           <a:p>
             <a:pPr eaLnBrk="1" hangingPunct="1"/>
             <a:r>
-              <a:rPr lang="zh-CN" altLang="en-US" smtClean="0"/>
+              <a:rPr lang="zh-CN" altLang="en-US"/>
               <a:t>软件设计师职位描述</a:t>
             </a:r>
           </a:p>
@@ -8439,7 +8396,7 @@
               </a:lnSpc>
             </a:pPr>
             <a:r>
-              <a:rPr lang="zh-CN" altLang="en-US" dirty="0" smtClean="0"/>
+              <a:rPr lang="zh-CN" altLang="en-US" dirty="0"/>
               <a:t>架构设计师（系统架构师）、软件设计师</a:t>
             </a:r>
           </a:p>
@@ -8970,7 +8927,7 @@
           <a:p>
             <a:pPr eaLnBrk="1" hangingPunct="1"/>
             <a:r>
-              <a:rPr lang="zh-CN" altLang="en-US" smtClean="0"/>
+              <a:rPr lang="zh-CN" altLang="en-US"/>
               <a:t>其他设计相关职位</a:t>
             </a:r>
           </a:p>
@@ -8998,11 +8955,11 @@
           <a:p>
             <a:pPr eaLnBrk="1" hangingPunct="1"/>
             <a:r>
-              <a:rPr lang="en-US" altLang="zh-CN" dirty="0" smtClean="0"/>
+              <a:rPr lang="en-US" altLang="zh-CN" dirty="0"/>
               <a:t>UI</a:t>
             </a:r>
             <a:r>
-              <a:rPr lang="zh-CN" altLang="en-US" dirty="0" smtClean="0"/>
+              <a:rPr lang="zh-CN" altLang="en-US" dirty="0"/>
               <a:t>设计师、数据库设计师、高级网络工程师</a:t>
             </a:r>
           </a:p>
@@ -9195,13 +9152,6 @@
   <p:clrMapOvr>
     <a:masterClrMapping/>
   </p:clrMapOvr>
-  <p:timing>
-    <p:tnLst>
-      <p:par>
-        <p:cTn id="1" dur="indefinite" restart="never" nodeType="tmRoot"/>
-      </p:par>
-    </p:tnLst>
-  </p:timing>
 </p:sld>
 </file>
 
@@ -9239,11 +9189,11 @@
           <a:p>
             <a:pPr eaLnBrk="1" hangingPunct="1"/>
             <a:r>
-              <a:rPr lang="en-US" altLang="zh-CN" smtClean="0"/>
+              <a:rPr lang="en-US" altLang="zh-CN"/>
               <a:t>9.1.3 </a:t>
             </a:r>
             <a:r>
-              <a:rPr lang="zh-CN" altLang="en-US" smtClean="0"/>
+              <a:rPr lang="zh-CN" altLang="en-US"/>
               <a:t>从分析过渡到设计</a:t>
             </a:r>
           </a:p>
@@ -9275,18 +9225,18 @@
               </a:spcBef>
             </a:pPr>
             <a:r>
-              <a:rPr lang="zh-CN" altLang="en-US" dirty="0" smtClean="0"/>
+              <a:rPr lang="zh-CN" altLang="en-US" dirty="0"/>
               <a:t>分析的目标是做正确的事（</a:t>
             </a:r>
             <a:r>
-              <a:rPr lang="en-US" altLang="zh-CN" dirty="0" smtClean="0"/>
+              <a:rPr lang="en-US" altLang="zh-CN" dirty="0"/>
               <a:t>do the right thing</a:t>
             </a:r>
             <a:r>
-              <a:rPr lang="zh-CN" altLang="en-US" dirty="0" smtClean="0"/>
+              <a:rPr lang="zh-CN" altLang="en-US" dirty="0"/>
               <a:t>）</a:t>
             </a:r>
-            <a:endParaRPr lang="en-US" altLang="zh-CN" dirty="0" smtClean="0"/>
+            <a:endParaRPr lang="en-US" altLang="zh-CN" dirty="0"/>
           </a:p>
           <a:p>
             <a:pPr eaLnBrk="1" hangingPunct="1">
@@ -9298,18 +9248,18 @@
               </a:spcBef>
             </a:pPr>
             <a:r>
-              <a:rPr lang="zh-CN" altLang="en-US" dirty="0" smtClean="0"/>
+              <a:rPr lang="zh-CN" altLang="en-US" dirty="0"/>
               <a:t>设计工作就是正确地做事（</a:t>
             </a:r>
             <a:r>
-              <a:rPr lang="en-US" altLang="zh-CN" dirty="0" smtClean="0"/>
+              <a:rPr lang="en-US" altLang="zh-CN" dirty="0"/>
               <a:t>do the thing right</a:t>
             </a:r>
             <a:r>
-              <a:rPr lang="zh-CN" altLang="en-US" dirty="0" smtClean="0"/>
+              <a:rPr lang="zh-CN" altLang="en-US" dirty="0"/>
               <a:t>）</a:t>
             </a:r>
-            <a:endParaRPr lang="en-US" altLang="zh-CN" dirty="0" smtClean="0"/>
+            <a:endParaRPr lang="en-US" altLang="zh-CN" dirty="0"/>
           </a:p>
         </p:txBody>
       </p:sp>
@@ -9323,13 +9273,6 @@
   <p:clrMapOvr>
     <a:masterClrMapping/>
   </p:clrMapOvr>
-  <p:timing>
-    <p:tnLst>
-      <p:par>
-        <p:cTn id="1" dur="indefinite" restart="never" nodeType="tmRoot"/>
-      </p:par>
-    </p:tnLst>
-  </p:timing>
 </p:sld>
 </file>
 
@@ -9367,11 +9310,11 @@
           <a:p>
             <a:pPr eaLnBrk="1" hangingPunct="1"/>
             <a:r>
-              <a:rPr lang="en-US" altLang="zh-CN" smtClean="0"/>
+              <a:rPr lang="en-US" altLang="zh-CN"/>
               <a:t>9.1.3 </a:t>
             </a:r>
             <a:r>
-              <a:rPr lang="zh-CN" altLang="en-US" smtClean="0"/>
+              <a:rPr lang="zh-CN" altLang="en-US"/>
               <a:t>从分析过渡到设计</a:t>
             </a:r>
           </a:p>
@@ -9403,10 +9346,10 @@
               </a:spcBef>
             </a:pPr>
             <a:r>
-              <a:rPr lang="zh-CN" altLang="en-US" dirty="0" smtClean="0"/>
+              <a:rPr lang="zh-CN" altLang="en-US" dirty="0"/>
               <a:t>分析与设计任务和目标不同，但在一些软件开发过程方法（如敏捷方法）中，分析和设计没有严格的阶段划分。</a:t>
             </a:r>
-            <a:endParaRPr lang="en-US" altLang="zh-CN" dirty="0" smtClean="0"/>
+            <a:endParaRPr lang="en-US" altLang="zh-CN" dirty="0"/>
           </a:p>
           <a:p>
             <a:pPr lvl="1" eaLnBrk="1" hangingPunct="1">
@@ -9418,11 +9361,11 @@
               </a:spcBef>
             </a:pPr>
             <a:r>
-              <a:rPr lang="zh-CN" altLang="en-US" dirty="0" smtClean="0"/>
+              <a:rPr lang="zh-CN" altLang="en-US" dirty="0"/>
               <a:t>因为工作内容或模型有较强关联，分析到设计的建模过程某种程度上是一个</a:t>
             </a:r>
             <a:r>
-              <a:rPr lang="zh-CN" altLang="en-US" sz="3400" dirty="0" smtClean="0">
+              <a:rPr lang="zh-CN" altLang="en-US" sz="3400" dirty="0">
                 <a:solidFill>
                   <a:srgbClr val="FF0000"/>
                 </a:solidFill>
@@ -9430,10 +9373,10 @@
               <a:t>从粗到精、从抽象到具体的过程</a:t>
             </a:r>
             <a:r>
-              <a:rPr lang="zh-CN" altLang="en-US" dirty="0" smtClean="0"/>
+              <a:rPr lang="zh-CN" altLang="en-US" dirty="0"/>
               <a:t>。</a:t>
             </a:r>
-            <a:endParaRPr lang="en-US" altLang="zh-CN" dirty="0" smtClean="0"/>
+            <a:endParaRPr lang="en-US" altLang="zh-CN" dirty="0"/>
           </a:p>
           <a:p>
             <a:pPr lvl="1" eaLnBrk="1" hangingPunct="1">
@@ -9445,7 +9388,7 @@
               </a:spcBef>
             </a:pPr>
             <a:r>
-              <a:rPr lang="zh-CN" altLang="en-US" dirty="0" smtClean="0"/>
+              <a:rPr lang="zh-CN" altLang="en-US" dirty="0"/>
               <a:t>例如分析阶段建立了领域对象模型，完成了对领域对象最本质和核心的分析和抽象，设计阶段还会基于该模型进一步完善和扩充。</a:t>
             </a:r>
           </a:p>
@@ -9461,13 +9404,6 @@
   <p:clrMapOvr>
     <a:masterClrMapping/>
   </p:clrMapOvr>
-  <p:timing>
-    <p:tnLst>
-      <p:par>
-        <p:cTn id="1" dur="indefinite" restart="never" nodeType="tmRoot"/>
-      </p:par>
-    </p:tnLst>
-  </p:timing>
 </p:sld>
 </file>
 
@@ -9505,11 +9441,11 @@
           <a:p>
             <a:pPr eaLnBrk="1" hangingPunct="1"/>
             <a:r>
-              <a:rPr lang="en-US" altLang="zh-CN" smtClean="0"/>
+              <a:rPr lang="en-US" altLang="zh-CN"/>
               <a:t>9.1.3 </a:t>
             </a:r>
             <a:r>
-              <a:rPr lang="zh-CN" altLang="en-US" smtClean="0"/>
+              <a:rPr lang="zh-CN" altLang="en-US"/>
               <a:t>从分析过渡到设计</a:t>
             </a:r>
           </a:p>
@@ -9533,7 +9469,7 @@
         </p:spPr>
         <p:txBody>
           <a:bodyPr>
-            <a:normAutofit fontScale="92500" lnSpcReduction="20000"/>
+            <a:normAutofit fontScale="92500" lnSpcReduction="10000"/>
           </a:bodyPr>
           <a:lstStyle/>
           <a:p>
@@ -9546,10 +9482,10 @@
               </a:spcBef>
             </a:pPr>
             <a:r>
-              <a:rPr lang="zh-CN" altLang="en-US" dirty="0" smtClean="0"/>
+              <a:rPr lang="zh-CN" altLang="en-US" dirty="0"/>
               <a:t>类图转数据库设计的样例：</a:t>
             </a:r>
-            <a:endParaRPr lang="en-US" altLang="zh-CN" dirty="0" smtClean="0"/>
+            <a:endParaRPr lang="en-US" altLang="zh-CN" dirty="0"/>
           </a:p>
           <a:p>
             <a:pPr marL="0" indent="0" eaLnBrk="1" hangingPunct="1">
@@ -9562,14 +9498,13 @@
               <a:buNone/>
             </a:pPr>
             <a:r>
-              <a:rPr lang="en-US" altLang="zh-CN" dirty="0" smtClean="0"/>
+              <a:rPr lang="en-US" altLang="zh-CN" dirty="0"/>
               <a:t>		</a:t>
             </a:r>
             <a:r>
-              <a:rPr lang="zh-CN" altLang="en-US" dirty="0" smtClean="0"/>
+              <a:rPr lang="zh-CN" altLang="en-US" dirty="0"/>
               <a:t>类图：</a:t>
             </a:r>
-            <a:endParaRPr lang="zh-CN" altLang="en-US" dirty="0" smtClean="0"/>
           </a:p>
         </p:txBody>
       </p:sp>
@@ -9609,10 +9544,9 @@
           <a:p>
             <a:pPr algn="ctr"/>
             <a:r>
-              <a:rPr lang="zh-CN" altLang="en-US" sz="2800" b="1" dirty="0" smtClean="0"/>
+              <a:rPr lang="zh-CN" altLang="en-US" sz="2800" b="1" dirty="0"/>
               <a:t>订单</a:t>
             </a:r>
-            <a:endParaRPr lang="zh-CN" altLang="en-US" sz="2800" b="1" dirty="0"/>
           </a:p>
         </p:txBody>
       </p:sp>
@@ -9680,7 +9614,6 @@
               <a:rPr lang="zh-CN" altLang="en-US" sz="2800" dirty="0"/>
               <a:t>销售人员</a:t>
             </a:r>
-            <a:endParaRPr lang="zh-CN" altLang="en-US" sz="2800" dirty="0"/>
           </a:p>
         </p:txBody>
       </p:sp>
@@ -9720,10 +9653,9 @@
           <a:p>
             <a:pPr algn="ctr"/>
             <a:r>
-              <a:rPr lang="zh-CN" altLang="en-US" sz="2800" b="1" dirty="0" smtClean="0"/>
+              <a:rPr lang="zh-CN" altLang="en-US" sz="2800" b="1" dirty="0"/>
               <a:t>产品</a:t>
             </a:r>
-            <a:endParaRPr lang="zh-CN" altLang="en-US" sz="2800" b="1" dirty="0"/>
           </a:p>
         </p:txBody>
       </p:sp>
@@ -9784,7 +9716,6 @@
               <a:rPr lang="zh-CN" altLang="en-US" sz="2800" dirty="0"/>
               <a:t>单价</a:t>
             </a:r>
-            <a:endParaRPr lang="zh-CN" altLang="en-US" sz="2800" dirty="0"/>
           </a:p>
         </p:txBody>
       </p:sp>
@@ -9844,7 +9775,7 @@
           <a:lstStyle/>
           <a:p>
             <a:r>
-              <a:rPr lang="en-US" altLang="zh-CN" sz="2800" dirty="0" smtClean="0"/>
+              <a:rPr lang="en-US" altLang="zh-CN" sz="2800" dirty="0"/>
               <a:t>1</a:t>
             </a:r>
             <a:endParaRPr lang="zh-CN" altLang="en-US" sz="2800" dirty="0"/>
@@ -9874,7 +9805,7 @@
           <a:lstStyle/>
           <a:p>
             <a:r>
-              <a:rPr lang="en-US" altLang="zh-CN" sz="2800" dirty="0" smtClean="0"/>
+              <a:rPr lang="en-US" altLang="zh-CN" sz="2800" dirty="0"/>
               <a:t>*</a:t>
             </a:r>
             <a:endParaRPr lang="zh-CN" altLang="en-US" sz="2800" dirty="0"/>
@@ -9891,13 +9822,6 @@
   <p:clrMapOvr>
     <a:masterClrMapping/>
   </p:clrMapOvr>
-  <p:timing>
-    <p:tnLst>
-      <p:par>
-        <p:cTn id="1" dur="indefinite" restart="never" nodeType="tmRoot"/>
-      </p:par>
-    </p:tnLst>
-  </p:timing>
 </p:sld>
 </file>
 
@@ -9940,7 +9864,7 @@
           <a:p>
             <a:pPr eaLnBrk="1" hangingPunct="1"/>
             <a:r>
-              <a:rPr lang="zh-CN" altLang="en-US" dirty="0" smtClean="0"/>
+              <a:rPr lang="zh-CN" altLang="en-US" dirty="0"/>
               <a:t>本章主要内容</a:t>
             </a:r>
           </a:p>
@@ -10005,13 +9929,6 @@
   <p:clrMapOvr>
     <a:masterClrMapping/>
   </p:clrMapOvr>
-  <p:timing>
-    <p:tnLst>
-      <p:par>
-        <p:cTn id="1" dur="indefinite" restart="never" nodeType="tmRoot"/>
-      </p:par>
-    </p:tnLst>
-  </p:timing>
 </p:sld>
 </file>
 
@@ -10049,11 +9966,11 @@
           <a:p>
             <a:pPr eaLnBrk="1" hangingPunct="1"/>
             <a:r>
-              <a:rPr lang="en-US" altLang="zh-CN" smtClean="0"/>
+              <a:rPr lang="en-US" altLang="zh-CN"/>
               <a:t>9.1.3 </a:t>
             </a:r>
             <a:r>
-              <a:rPr lang="zh-CN" altLang="en-US" smtClean="0"/>
+              <a:rPr lang="zh-CN" altLang="en-US"/>
               <a:t>从分析过渡到设计</a:t>
             </a:r>
           </a:p>
@@ -10090,10 +10007,9 @@
               </a:spcBef>
             </a:pPr>
             <a:r>
-              <a:rPr lang="zh-CN" altLang="en-US" dirty="0" smtClean="0"/>
+              <a:rPr lang="zh-CN" altLang="en-US" dirty="0"/>
               <a:t>类图转数据库设计：</a:t>
             </a:r>
-            <a:endParaRPr lang="zh-CN" altLang="en-US" dirty="0" smtClean="0"/>
           </a:p>
         </p:txBody>
       </p:sp>
@@ -10177,7 +10093,7 @@
                         </a:spcAft>
                       </a:pPr>
                       <a:r>
-                        <a:rPr lang="zh-CN" altLang="en-US" sz="1800" kern="0" dirty="0" smtClean="0">
+                        <a:rPr lang="zh-CN" altLang="en-US" sz="1800" kern="0" dirty="0">
                           <a:effectLst/>
                           <a:latin typeface="+mn-ea"/>
                           <a:ea typeface="+mn-ea"/>
@@ -10351,7 +10267,7 @@
                         <a:t>订单</a:t>
                       </a:r>
                       <a:r>
-                        <a:rPr lang="en-US" sz="1800" b="1" kern="0" dirty="0" smtClean="0">
+                        <a:rPr lang="en-US" sz="1800" b="1" kern="0" dirty="0">
                           <a:effectLst/>
                           <a:latin typeface="+mn-ea"/>
                           <a:ea typeface="+mn-ea"/>
@@ -10710,7 +10626,7 @@
                     <a:lstStyle/>
                     <a:p>
                       <a:r>
-                        <a:rPr lang="zh-CN" altLang="en-US" sz="1600" b="0" kern="100" dirty="0" smtClean="0">
+                        <a:rPr lang="zh-CN" altLang="en-US" sz="1600" b="0" kern="100" dirty="0">
                           <a:effectLst/>
                           <a:latin typeface="等线" panose="02010600030101010101" pitchFamily="2" charset="-122"/>
                           <a:ea typeface="等线" panose="02010600030101010101" pitchFamily="2" charset="-122"/>
@@ -10959,7 +10875,7 @@
                         </a:spcAft>
                       </a:pPr>
                       <a:r>
-                        <a:rPr lang="zh-CN" altLang="en-US" sz="1800" kern="0" dirty="0" smtClean="0">
+                        <a:rPr lang="zh-CN" altLang="en-US" sz="1800" kern="0" dirty="0">
                           <a:effectLst/>
                           <a:latin typeface="+mn-ea"/>
                           <a:ea typeface="+mn-ea"/>
@@ -11511,7 +11427,7 @@
                     <a:p>
                       <a:pPr algn="l" fontAlgn="ctr"/>
                       <a:r>
-                        <a:rPr lang="zh-CN" altLang="en-US" sz="1600" b="0" kern="0" dirty="0" smtClean="0">
+                        <a:rPr lang="zh-CN" altLang="en-US" sz="1600" b="0" kern="0" dirty="0">
                           <a:solidFill>
                             <a:schemeClr val="tx1"/>
                           </a:solidFill>
@@ -11523,7 +11439,7 @@
                         <a:t>数量</a:t>
                       </a:r>
                       <a:r>
-                        <a:rPr lang="en-US" altLang="zh-CN" sz="1600" b="0" kern="0" dirty="0" smtClean="0">
+                        <a:rPr lang="en-US" altLang="zh-CN" sz="1600" b="0" kern="0" dirty="0">
                           <a:solidFill>
                             <a:schemeClr val="tx1"/>
                           </a:solidFill>
@@ -11708,10 +11624,9 @@
           <a:lstStyle/>
           <a:p>
             <a:r>
-              <a:rPr lang="zh-CN" altLang="en-US" sz="2400" dirty="0" smtClean="0"/>
+              <a:rPr lang="zh-CN" altLang="en-US" sz="2400" dirty="0"/>
               <a:t>产品表：</a:t>
             </a:r>
-            <a:endParaRPr lang="zh-CN" altLang="en-US" sz="2400" dirty="0"/>
           </a:p>
         </p:txBody>
       </p:sp>
@@ -11738,10 +11653,9 @@
           <a:lstStyle/>
           <a:p>
             <a:r>
-              <a:rPr lang="zh-CN" altLang="en-US" sz="2400" dirty="0" smtClean="0"/>
+              <a:rPr lang="zh-CN" altLang="en-US" sz="2400" dirty="0"/>
               <a:t>订单表：</a:t>
             </a:r>
-            <a:endParaRPr lang="zh-CN" altLang="en-US" sz="2400" dirty="0"/>
           </a:p>
         </p:txBody>
       </p:sp>
@@ -11755,13 +11669,6 @@
   <p:clrMapOvr>
     <a:masterClrMapping/>
   </p:clrMapOvr>
-  <p:timing>
-    <p:tnLst>
-      <p:par>
-        <p:cTn id="1" dur="indefinite" restart="never" nodeType="tmRoot"/>
-      </p:par>
-    </p:tnLst>
-  </p:timing>
 </p:sld>
 </file>
 
@@ -11799,11 +11706,11 @@
           <a:p>
             <a:pPr eaLnBrk="1" hangingPunct="1"/>
             <a:r>
-              <a:rPr lang="en-US" altLang="zh-CN" smtClean="0"/>
+              <a:rPr lang="en-US" altLang="zh-CN"/>
               <a:t>9.2 </a:t>
             </a:r>
             <a:r>
-              <a:rPr lang="zh-CN" altLang="en-US" smtClean="0"/>
+              <a:rPr lang="zh-CN" altLang="en-US"/>
               <a:t>系统设计的内容</a:t>
             </a:r>
           </a:p>
@@ -11844,62 +11751,91 @@
               <a:buNone/>
             </a:pPr>
             <a:r>
-              <a:rPr lang="zh-CN" altLang="en-US" smtClean="0"/>
+              <a:rPr lang="zh-CN" altLang="en-US" dirty="0"/>
               <a:t>一般划分为两部分：</a:t>
             </a:r>
           </a:p>
           <a:p>
             <a:pPr marL="609600" indent="-609600" eaLnBrk="1" hangingPunct="1"/>
             <a:r>
-              <a:rPr lang="zh-CN" altLang="en-US" smtClean="0">
+              <a:rPr lang="zh-CN" altLang="en-US" dirty="0">
                 <a:solidFill>
                   <a:srgbClr val="FF0000"/>
                 </a:solidFill>
               </a:rPr>
               <a:t>总体设计</a:t>
             </a:r>
+            <a:r>
+              <a:rPr lang="en-US" altLang="zh-CN" dirty="0">
+                <a:solidFill>
+                  <a:srgbClr val="FF0000"/>
+                </a:solidFill>
+              </a:rPr>
+              <a:t>(</a:t>
+            </a:r>
+            <a:r>
+              <a:rPr lang="zh-CN" altLang="en-US">
+                <a:solidFill>
+                  <a:srgbClr val="FF0000"/>
+                </a:solidFill>
+              </a:rPr>
+              <a:t>也称为概要设计</a:t>
+            </a:r>
+            <a:r>
+              <a:rPr lang="en-US" altLang="zh-CN">
+                <a:solidFill>
+                  <a:srgbClr val="FF0000"/>
+                </a:solidFill>
+              </a:rPr>
+              <a:t>)</a:t>
+            </a:r>
+            <a:endParaRPr lang="zh-CN" altLang="en-US" dirty="0">
+              <a:solidFill>
+                <a:srgbClr val="FF0000"/>
+              </a:solidFill>
+            </a:endParaRPr>
           </a:p>
           <a:p>
             <a:pPr marL="990600" lvl="1" indent="-533400" eaLnBrk="1" hangingPunct="1"/>
             <a:r>
-              <a:rPr lang="zh-CN" altLang="en-US" smtClean="0"/>
+              <a:rPr lang="zh-CN" altLang="en-US" dirty="0"/>
               <a:t>设计软件的体系结构（也称架构，</a:t>
             </a:r>
             <a:r>
-              <a:rPr lang="en-US" altLang="zh-CN" smtClean="0"/>
+              <a:rPr lang="en-US" altLang="zh-CN" dirty="0"/>
               <a:t>architecture</a:t>
             </a:r>
             <a:r>
-              <a:rPr lang="zh-CN" altLang="en-US" smtClean="0"/>
+              <a:rPr lang="zh-CN" altLang="en-US" dirty="0"/>
               <a:t>）</a:t>
             </a:r>
           </a:p>
           <a:p>
             <a:pPr marL="990600" lvl="1" indent="-533400" eaLnBrk="1" hangingPunct="1"/>
             <a:r>
-              <a:rPr lang="zh-CN" altLang="en-US" smtClean="0"/>
+              <a:rPr lang="zh-CN" altLang="en-US" dirty="0"/>
               <a:t>设计软件结构，即具体组成元素及其关系（</a:t>
             </a:r>
             <a:r>
-              <a:rPr lang="en-US" altLang="zh-CN" smtClean="0"/>
+              <a:rPr lang="en-US" altLang="zh-CN" dirty="0"/>
               <a:t>structure</a:t>
             </a:r>
             <a:r>
-              <a:rPr lang="zh-CN" altLang="en-US" smtClean="0"/>
+              <a:rPr lang="zh-CN" altLang="en-US" dirty="0"/>
               <a:t>）</a:t>
             </a:r>
           </a:p>
           <a:p>
             <a:pPr marL="990600" lvl="1" indent="-533400" eaLnBrk="1" hangingPunct="1"/>
             <a:r>
-              <a:rPr lang="zh-CN" altLang="en-US" smtClean="0"/>
+              <a:rPr lang="zh-CN" altLang="en-US" dirty="0"/>
               <a:t>设计系统对外接口和服务</a:t>
             </a:r>
           </a:p>
           <a:p>
             <a:pPr marL="609600" indent="-609600" eaLnBrk="1" hangingPunct="1"/>
             <a:r>
-              <a:rPr lang="zh-CN" altLang="en-US" smtClean="0">
+              <a:rPr lang="zh-CN" altLang="en-US" dirty="0">
                 <a:solidFill>
                   <a:srgbClr val="FF0000"/>
                 </a:solidFill>
@@ -11910,7 +11846,7 @@
           <a:p>
             <a:pPr marL="990600" lvl="1" indent="-533400" eaLnBrk="1" hangingPunct="1"/>
             <a:r>
-              <a:rPr lang="zh-CN" altLang="en-US" smtClean="0"/>
+              <a:rPr lang="zh-CN" altLang="en-US" dirty="0"/>
               <a:t>各项具体细节，涉及软硬件的各个方面</a:t>
             </a:r>
           </a:p>
@@ -11926,13 +11862,6 @@
   <p:clrMapOvr>
     <a:masterClrMapping/>
   </p:clrMapOvr>
-  <p:timing>
-    <p:tnLst>
-      <p:par>
-        <p:cTn id="1" dur="indefinite" restart="never" nodeType="tmRoot"/>
-      </p:par>
-    </p:tnLst>
-  </p:timing>
 </p:sld>
 </file>
 
@@ -11975,7 +11904,7 @@
           <a:p>
             <a:pPr eaLnBrk="1" hangingPunct="1"/>
             <a:r>
-              <a:rPr lang="zh-CN" altLang="en-US" dirty="0" smtClean="0"/>
+              <a:rPr lang="zh-CN" altLang="en-US" dirty="0"/>
               <a:t>软件结构的演变</a:t>
             </a:r>
           </a:p>
@@ -12007,7 +11936,7 @@
               </a:lnSpc>
             </a:pPr>
             <a:r>
-              <a:rPr lang="zh-CN" altLang="en-US" dirty="0" smtClean="0"/>
+              <a:rPr lang="zh-CN" altLang="en-US" dirty="0"/>
               <a:t>粒度越来越大，范围越来越广</a:t>
             </a:r>
           </a:p>
@@ -14811,13 +14740,6 @@
   <p:clrMapOvr>
     <a:masterClrMapping/>
   </p:clrMapOvr>
-  <p:timing>
-    <p:tnLst>
-      <p:par>
-        <p:cTn id="1" dur="indefinite" restart="never" nodeType="tmRoot"/>
-      </p:par>
-    </p:tnLst>
-  </p:timing>
 </p:sld>
 </file>
 
@@ -14855,7 +14777,7 @@
           <a:p>
             <a:pPr eaLnBrk="1" hangingPunct="1"/>
             <a:r>
-              <a:rPr lang="zh-CN" altLang="en-US" smtClean="0"/>
+              <a:rPr lang="zh-CN" altLang="en-US"/>
               <a:t>基于模块封装的软件结构</a:t>
             </a:r>
           </a:p>
@@ -14892,11 +14814,11 @@
               </a:spcBef>
             </a:pPr>
             <a:r>
-              <a:rPr lang="zh-CN" altLang="en-US" dirty="0" smtClean="0"/>
+              <a:rPr lang="zh-CN" altLang="en-US" dirty="0"/>
               <a:t>采用强调自顶向下、逐层分解的功能模块设计，也称为</a:t>
             </a:r>
             <a:r>
-              <a:rPr kumimoji="1" lang="zh-CN" altLang="en-US" dirty="0" smtClean="0"/>
+              <a:rPr kumimoji="1" lang="zh-CN" altLang="en-US" dirty="0"/>
               <a:t>结构化设计。主要包括：</a:t>
             </a:r>
           </a:p>
@@ -14910,15 +14832,15 @@
               </a:spcBef>
             </a:pPr>
             <a:r>
-              <a:rPr kumimoji="1" lang="zh-CN" altLang="en-US" dirty="0" smtClean="0"/>
+              <a:rPr kumimoji="1" lang="zh-CN" altLang="en-US" dirty="0"/>
               <a:t>将系统划分成功能模块（</a:t>
             </a:r>
             <a:r>
-              <a:rPr kumimoji="1" lang="en-US" altLang="zh-CN" dirty="0" smtClean="0"/>
+              <a:rPr kumimoji="1" lang="en-US" altLang="zh-CN" dirty="0"/>
               <a:t>Module</a:t>
             </a:r>
             <a:r>
-              <a:rPr kumimoji="1" lang="zh-CN" altLang="en-US" dirty="0" smtClean="0"/>
+              <a:rPr kumimoji="1" lang="zh-CN" altLang="en-US" dirty="0"/>
               <a:t>）；</a:t>
             </a:r>
           </a:p>
@@ -14932,7 +14854,7 @@
               </a:spcBef>
             </a:pPr>
             <a:r>
-              <a:rPr kumimoji="1" lang="zh-CN" altLang="en-US" dirty="0" smtClean="0"/>
+              <a:rPr kumimoji="1" lang="zh-CN" altLang="en-US" dirty="0"/>
               <a:t>决定每个模块的功能；</a:t>
             </a:r>
           </a:p>
@@ -14946,7 +14868,7 @@
               </a:spcBef>
             </a:pPr>
             <a:r>
-              <a:rPr kumimoji="1" lang="zh-CN" altLang="en-US" dirty="0" smtClean="0"/>
+              <a:rPr kumimoji="1" lang="zh-CN" altLang="en-US" dirty="0"/>
               <a:t>决定模块的调用关系；</a:t>
             </a:r>
           </a:p>
@@ -14960,15 +14882,15 @@
               </a:spcBef>
             </a:pPr>
             <a:r>
-              <a:rPr kumimoji="1" lang="zh-CN" altLang="en-US" dirty="0" smtClean="0"/>
+              <a:rPr kumimoji="1" lang="zh-CN" altLang="en-US" dirty="0"/>
               <a:t>决定模块的界面（</a:t>
             </a:r>
             <a:r>
-              <a:rPr kumimoji="1" lang="en-US" altLang="zh-CN" dirty="0" smtClean="0"/>
+              <a:rPr kumimoji="1" lang="en-US" altLang="zh-CN" dirty="0"/>
               <a:t>Interface</a:t>
             </a:r>
             <a:r>
-              <a:rPr kumimoji="1" lang="zh-CN" altLang="en-US" dirty="0" smtClean="0"/>
+              <a:rPr kumimoji="1" lang="zh-CN" altLang="en-US" dirty="0"/>
               <a:t>，接口），即调用时传入的信息（函数参数），以及返回的信息（返回值）。</a:t>
             </a:r>
           </a:p>
@@ -14982,26 +14904,26 @@
               </a:spcBef>
             </a:pPr>
             <a:r>
-              <a:rPr kumimoji="1" lang="zh-CN" altLang="en-US" dirty="0" smtClean="0"/>
+              <a:rPr kumimoji="1" lang="zh-CN" altLang="en-US" dirty="0"/>
               <a:t>主要模型：模块结构图（</a:t>
             </a:r>
             <a:r>
-              <a:rPr kumimoji="1" lang="en-US" altLang="zh-CN" dirty="0" smtClean="0"/>
+              <a:rPr kumimoji="1" lang="en-US" altLang="zh-CN" dirty="0"/>
               <a:t>SC</a:t>
             </a:r>
             <a:r>
-              <a:rPr kumimoji="1" lang="zh-CN" altLang="en-US" dirty="0" smtClean="0"/>
+              <a:rPr kumimoji="1" lang="zh-CN" altLang="en-US" dirty="0"/>
               <a:t>，</a:t>
             </a:r>
             <a:r>
-              <a:rPr kumimoji="1" lang="en-US" altLang="zh-CN" dirty="0" smtClean="0"/>
+              <a:rPr kumimoji="1" lang="en-US" altLang="zh-CN" dirty="0"/>
               <a:t>Structure Chart</a:t>
             </a:r>
             <a:r>
-              <a:rPr kumimoji="1" lang="zh-CN" altLang="en-US" dirty="0" smtClean="0"/>
+              <a:rPr kumimoji="1" lang="zh-CN" altLang="en-US" dirty="0"/>
               <a:t>），也称功能结构图。 </a:t>
             </a:r>
-            <a:endParaRPr lang="zh-CN" altLang="en-US" dirty="0" smtClean="0"/>
+            <a:endParaRPr lang="zh-CN" altLang="en-US" dirty="0"/>
           </a:p>
         </p:txBody>
       </p:sp>
@@ -15015,13 +14937,6 @@
   <p:clrMapOvr>
     <a:masterClrMapping/>
   </p:clrMapOvr>
-  <p:timing>
-    <p:tnLst>
-      <p:par>
-        <p:cTn id="1" dur="indefinite" restart="never" nodeType="tmRoot"/>
-      </p:par>
-    </p:tnLst>
-  </p:timing>
 </p:sld>
 </file>
 
@@ -15059,7 +14974,7 @@
           <a:p>
             <a:pPr eaLnBrk="1" hangingPunct="1"/>
             <a:r>
-              <a:rPr lang="zh-CN" altLang="en-US" smtClean="0"/>
+              <a:rPr lang="zh-CN" altLang="en-US"/>
               <a:t>基于对象封装的软件结构</a:t>
             </a:r>
           </a:p>
@@ -15089,94 +15004,94 @@
           <a:p>
             <a:pPr eaLnBrk="1" hangingPunct="1"/>
             <a:r>
-              <a:rPr kumimoji="1" lang="zh-CN" altLang="en-US" sz="2400" dirty="0" smtClean="0"/>
+              <a:rPr kumimoji="1" lang="zh-CN" altLang="en-US" sz="2400" dirty="0"/>
               <a:t>强调面向对象的封装，主要包括：</a:t>
             </a:r>
           </a:p>
           <a:p>
             <a:pPr lvl="1" eaLnBrk="1" hangingPunct="1"/>
             <a:r>
-              <a:rPr kumimoji="1" lang="zh-CN" altLang="en-US" sz="2400" dirty="0" smtClean="0"/>
+              <a:rPr kumimoji="1" lang="zh-CN" altLang="en-US" sz="2400" dirty="0"/>
               <a:t>识别系统中的对象（</a:t>
             </a:r>
             <a:r>
-              <a:rPr kumimoji="1" lang="en-US" altLang="zh-CN" sz="2400" dirty="0" smtClean="0"/>
+              <a:rPr kumimoji="1" lang="en-US" altLang="zh-CN" sz="2400" dirty="0"/>
               <a:t>Object</a:t>
             </a:r>
             <a:r>
-              <a:rPr kumimoji="1" lang="zh-CN" altLang="en-US" sz="2400" dirty="0" smtClean="0"/>
+              <a:rPr kumimoji="1" lang="zh-CN" altLang="en-US" sz="2400" dirty="0"/>
               <a:t>），设计类（</a:t>
             </a:r>
             <a:r>
-              <a:rPr kumimoji="1" lang="en-US" altLang="zh-CN" sz="2400" dirty="0" smtClean="0"/>
+              <a:rPr kumimoji="1" lang="en-US" altLang="zh-CN" sz="2400" dirty="0"/>
               <a:t>Class</a:t>
             </a:r>
             <a:r>
-              <a:rPr kumimoji="1" lang="zh-CN" altLang="en-US" sz="2400" dirty="0" smtClean="0"/>
+              <a:rPr kumimoji="1" lang="zh-CN" altLang="en-US" sz="2400" dirty="0"/>
               <a:t>）；</a:t>
             </a:r>
           </a:p>
           <a:p>
             <a:pPr lvl="1" eaLnBrk="1" hangingPunct="1"/>
             <a:r>
-              <a:rPr kumimoji="1" lang="zh-CN" altLang="en-US" sz="2400" dirty="0" smtClean="0"/>
+              <a:rPr kumimoji="1" lang="zh-CN" altLang="en-US" sz="2400" dirty="0"/>
               <a:t>决定每个类的属性（</a:t>
             </a:r>
             <a:r>
-              <a:rPr kumimoji="1" lang="en-US" altLang="zh-CN" sz="2400" dirty="0" smtClean="0"/>
+              <a:rPr kumimoji="1" lang="en-US" altLang="zh-CN" sz="2400" dirty="0"/>
               <a:t>Attribute</a:t>
             </a:r>
             <a:r>
-              <a:rPr kumimoji="1" lang="zh-CN" altLang="en-US" sz="2400" dirty="0" smtClean="0"/>
+              <a:rPr kumimoji="1" lang="zh-CN" altLang="en-US" sz="2400" dirty="0"/>
               <a:t>）和操作（</a:t>
             </a:r>
             <a:r>
-              <a:rPr kumimoji="1" lang="en-US" altLang="zh-CN" sz="2400" dirty="0" smtClean="0"/>
+              <a:rPr kumimoji="1" lang="en-US" altLang="zh-CN" sz="2400" dirty="0"/>
               <a:t>Operation</a:t>
             </a:r>
             <a:r>
-              <a:rPr kumimoji="1" lang="zh-CN" altLang="en-US" sz="2400" dirty="0" smtClean="0"/>
+              <a:rPr kumimoji="1" lang="zh-CN" altLang="en-US" sz="2400" dirty="0"/>
               <a:t>）；</a:t>
             </a:r>
           </a:p>
           <a:p>
             <a:pPr lvl="1" eaLnBrk="1" hangingPunct="1"/>
             <a:r>
-              <a:rPr kumimoji="1" lang="zh-CN" altLang="en-US" sz="2400" dirty="0" smtClean="0"/>
+              <a:rPr kumimoji="1" lang="zh-CN" altLang="en-US" sz="2400" dirty="0"/>
               <a:t>决定对象之间的协作</a:t>
             </a:r>
             <a:r>
-              <a:rPr kumimoji="1" lang="en-US" altLang="zh-CN" sz="2400" dirty="0" smtClean="0"/>
+              <a:rPr kumimoji="1" lang="en-US" altLang="zh-CN" sz="2400" dirty="0"/>
               <a:t>/</a:t>
             </a:r>
             <a:r>
-              <a:rPr kumimoji="1" lang="zh-CN" altLang="en-US" sz="2400" dirty="0" smtClean="0"/>
+              <a:rPr kumimoji="1" lang="zh-CN" altLang="en-US" sz="2400" dirty="0"/>
               <a:t>通信关系；</a:t>
             </a:r>
           </a:p>
           <a:p>
             <a:pPr lvl="1" eaLnBrk="1" hangingPunct="1"/>
-            <a:endParaRPr kumimoji="1" lang="zh-CN" altLang="en-US" sz="2400" dirty="0" smtClean="0"/>
+            <a:endParaRPr kumimoji="1" lang="zh-CN" altLang="en-US" sz="2400" dirty="0"/>
           </a:p>
           <a:p>
             <a:pPr eaLnBrk="1" hangingPunct="1"/>
             <a:r>
-              <a:rPr kumimoji="1" lang="zh-CN" altLang="en-US" sz="2400" dirty="0" smtClean="0"/>
+              <a:rPr kumimoji="1" lang="zh-CN" altLang="en-US" sz="2400" dirty="0"/>
               <a:t>主要模型：类图（</a:t>
             </a:r>
             <a:r>
-              <a:rPr kumimoji="1" lang="en-US" altLang="zh-CN" sz="2400" dirty="0" smtClean="0"/>
+              <a:rPr kumimoji="1" lang="en-US" altLang="zh-CN" sz="2400" dirty="0"/>
               <a:t>Class Diagram</a:t>
             </a:r>
             <a:r>
-              <a:rPr kumimoji="1" lang="zh-CN" altLang="en-US" sz="2400" dirty="0" smtClean="0"/>
+              <a:rPr kumimoji="1" lang="zh-CN" altLang="en-US" sz="2400" dirty="0"/>
               <a:t>）</a:t>
             </a:r>
           </a:p>
           <a:p>
             <a:pPr lvl="1" eaLnBrk="1" hangingPunct="1"/>
             <a:r>
-              <a:rPr lang="zh-CN" altLang="en-US" dirty="0" smtClean="0">
+              <a:rPr lang="zh-CN" altLang="en-US" dirty="0">
                 <a:latin typeface="宋体" panose="02010600030101010101" pitchFamily="2" charset="-122"/>
               </a:rPr>
               <a:t>类的方法本质上也是模块封装</a:t>
@@ -15194,13 +15109,6 @@
   <p:clrMapOvr>
     <a:masterClrMapping/>
   </p:clrMapOvr>
-  <p:timing>
-    <p:tnLst>
-      <p:par>
-        <p:cTn id="1" dur="indefinite" restart="never" nodeType="tmRoot"/>
-      </p:par>
-    </p:tnLst>
-  </p:timing>
 </p:sld>
 </file>
 
@@ -15238,7 +15146,7 @@
           <a:p>
             <a:pPr eaLnBrk="1" hangingPunct="1"/>
             <a:r>
-              <a:rPr lang="zh-CN" altLang="en-US" smtClean="0"/>
+              <a:rPr lang="zh-CN" altLang="en-US"/>
               <a:t>基于服务封装的软件结构</a:t>
             </a:r>
           </a:p>
@@ -15275,15 +15183,15 @@
               </a:spcBef>
             </a:pPr>
             <a:r>
-              <a:rPr lang="zh-CN" altLang="en-US" sz="2000" dirty="0" smtClean="0"/>
+              <a:rPr lang="zh-CN" altLang="en-US" sz="2000" dirty="0"/>
               <a:t>从概念上讲，</a:t>
             </a:r>
             <a:r>
-              <a:rPr lang="en-US" altLang="zh-CN" sz="2000" dirty="0" smtClean="0"/>
+              <a:rPr lang="en-US" altLang="zh-CN" sz="2000" dirty="0"/>
               <a:t>SOA</a:t>
             </a:r>
             <a:r>
-              <a:rPr lang="zh-CN" altLang="en-US" sz="2000" dirty="0" smtClean="0"/>
+              <a:rPr lang="zh-CN" altLang="en-US" sz="2000" dirty="0"/>
               <a:t>中有三个主要的抽象级别元素：</a:t>
             </a:r>
           </a:p>
@@ -15297,15 +15205,15 @@
               </a:spcBef>
             </a:pPr>
             <a:r>
-              <a:rPr lang="zh-CN" altLang="en-US" sz="2000" dirty="0" smtClean="0"/>
+              <a:rPr lang="zh-CN" altLang="en-US" sz="2000" dirty="0"/>
               <a:t>操作：代表单个逻辑工作单元的事务。</a:t>
             </a:r>
             <a:r>
-              <a:rPr lang="en-US" altLang="zh-CN" sz="2000" dirty="0" smtClean="0"/>
+              <a:rPr lang="en-US" altLang="zh-CN" sz="2000" dirty="0"/>
               <a:t>SOA</a:t>
             </a:r>
             <a:r>
-              <a:rPr lang="zh-CN" altLang="en-US" sz="2000" dirty="0" smtClean="0"/>
+              <a:rPr lang="zh-CN" altLang="en-US" sz="2000" dirty="0"/>
               <a:t>操作可以与面向对象中类的方法相提并论。</a:t>
             </a:r>
           </a:p>
@@ -15319,7 +15227,7 @@
               </a:spcBef>
             </a:pPr>
             <a:r>
-              <a:rPr lang="zh-CN" altLang="en-US" sz="2000" dirty="0" smtClean="0"/>
+              <a:rPr lang="zh-CN" altLang="en-US" sz="2000" dirty="0"/>
               <a:t>服务：代表操作的逻辑分组。例如，如果我们将客户信用视为服务，则按照客户名称获得客户信用数据、建立信用记录、更新客户信用等就代表相关的操作。</a:t>
             </a:r>
           </a:p>
@@ -15333,7 +15241,7 @@
               </a:spcBef>
             </a:pPr>
             <a:r>
-              <a:rPr lang="zh-CN" altLang="en-US" sz="2000" dirty="0" smtClean="0"/>
+              <a:rPr lang="zh-CN" altLang="en-US" sz="2000" dirty="0"/>
               <a:t>业务流程：为实现特定业务目标而执行的一组长期运行的动作或活动，如：批准一项贷款、本科生转专业、完成订单等。业务流程可以通过编排一组服务来定义和实现。 </a:t>
             </a:r>
           </a:p>
@@ -15347,27 +15255,27 @@
               </a:spcBef>
             </a:pPr>
             <a:r>
-              <a:rPr kumimoji="1" lang="zh-CN" altLang="en-US" sz="2000" dirty="0" smtClean="0"/>
+              <a:rPr kumimoji="1" lang="zh-CN" altLang="en-US" sz="2000" dirty="0"/>
               <a:t>主要模型：构件图（</a:t>
             </a:r>
             <a:r>
-              <a:rPr kumimoji="1" lang="en-US" altLang="zh-CN" sz="2000" dirty="0" smtClean="0"/>
+              <a:rPr kumimoji="1" lang="en-US" altLang="zh-CN" sz="2000" dirty="0"/>
               <a:t>Component Diagram</a:t>
             </a:r>
             <a:r>
-              <a:rPr kumimoji="1" lang="zh-CN" altLang="en-US" sz="2000" dirty="0" smtClean="0"/>
+              <a:rPr kumimoji="1" lang="zh-CN" altLang="en-US" sz="2000" dirty="0"/>
               <a:t>）</a:t>
             </a:r>
             <a:r>
-              <a:rPr kumimoji="1" lang="en-US" altLang="zh-CN" sz="2000" dirty="0" smtClean="0"/>
+              <a:rPr kumimoji="1" lang="en-US" altLang="zh-CN" sz="2000" dirty="0"/>
               <a:t>/</a:t>
             </a:r>
             <a:r>
-              <a:rPr kumimoji="1" lang="en-US" altLang="zh-CN" sz="2000" dirty="0" err="1" smtClean="0"/>
+              <a:rPr kumimoji="1" lang="en-US" altLang="zh-CN" sz="2000" dirty="0" err="1"/>
               <a:t>SoaML</a:t>
             </a:r>
             <a:r>
-              <a:rPr kumimoji="1" lang="en-US" altLang="zh-CN" sz="2000" dirty="0" smtClean="0"/>
+              <a:rPr kumimoji="1" lang="en-US" altLang="zh-CN" sz="2000" dirty="0"/>
               <a:t>/BPMN</a:t>
             </a:r>
           </a:p>
@@ -15381,7 +15289,7 @@
               </a:spcBef>
             </a:pPr>
             <a:r>
-              <a:rPr lang="zh-CN" altLang="en-US" sz="2000" dirty="0" smtClean="0">
+              <a:rPr lang="zh-CN" altLang="en-US" sz="2000" dirty="0">
                 <a:latin typeface="宋体" panose="02010600030101010101" pitchFamily="2" charset="-122"/>
               </a:rPr>
               <a:t>底层基于类来实现</a:t>
@@ -15399,13 +15307,6 @@
   <p:clrMapOvr>
     <a:masterClrMapping/>
   </p:clrMapOvr>
-  <p:timing>
-    <p:tnLst>
-      <p:par>
-        <p:cTn id="1" dur="indefinite" restart="never" nodeType="tmRoot"/>
-      </p:par>
-    </p:tnLst>
-  </p:timing>
 </p:sld>
 </file>
 
@@ -15443,7 +15344,7 @@
           <a:p>
             <a:pPr eaLnBrk="1" hangingPunct="1"/>
             <a:r>
-              <a:rPr lang="zh-CN" altLang="en-US" smtClean="0"/>
+              <a:rPr lang="zh-CN" altLang="en-US"/>
               <a:t>软件设计的两类模型</a:t>
             </a:r>
           </a:p>
@@ -15482,7 +15383,7 @@
               <a:buNone/>
             </a:pPr>
             <a:r>
-              <a:rPr lang="zh-CN" altLang="en-US" dirty="0" smtClean="0"/>
+              <a:rPr lang="zh-CN" altLang="en-US" dirty="0"/>
               <a:t>软件模型最主要的两个方面：</a:t>
             </a:r>
           </a:p>
@@ -15497,7 +15398,7 @@
               <a:buFont typeface="Wingdings" panose="05000000000000000000" pitchFamily="2" charset="2"/>
               <a:buNone/>
             </a:pPr>
-            <a:endParaRPr lang="zh-CN" altLang="en-US" dirty="0" smtClean="0"/>
+            <a:endParaRPr lang="zh-CN" altLang="en-US" dirty="0"/>
           </a:p>
           <a:p>
             <a:pPr eaLnBrk="1" hangingPunct="1">
@@ -15509,7 +15410,7 @@
               </a:spcBef>
             </a:pPr>
             <a:r>
-              <a:rPr lang="zh-CN" altLang="en-US" dirty="0" smtClean="0"/>
+              <a:rPr lang="zh-CN" altLang="en-US" dirty="0"/>
               <a:t>静态模型</a:t>
             </a:r>
           </a:p>
@@ -15523,39 +15424,39 @@
               </a:spcBef>
             </a:pPr>
             <a:r>
-              <a:rPr lang="zh-CN" altLang="en-US" dirty="0" smtClean="0"/>
+              <a:rPr lang="zh-CN" altLang="en-US" dirty="0"/>
               <a:t>主要表示软件结构，即组成元素及其关系，一种是开发态的源程序结构，另一种是运行态的构件结构，即程序打包编译</a:t>
             </a:r>
             <a:r>
-              <a:rPr kumimoji="1" lang="zh-CN" altLang="en-US" dirty="0" smtClean="0"/>
+              <a:rPr kumimoji="1" lang="zh-CN" altLang="en-US" dirty="0"/>
               <a:t>后的组件结构（</a:t>
             </a:r>
             <a:r>
-              <a:rPr kumimoji="1" lang="en-US" altLang="zh-CN" dirty="0" smtClean="0"/>
+              <a:rPr kumimoji="1" lang="en-US" altLang="zh-CN" dirty="0"/>
               <a:t>Component</a:t>
             </a:r>
             <a:r>
-              <a:rPr kumimoji="1" lang="zh-CN" altLang="en-US" dirty="0" smtClean="0"/>
+              <a:rPr kumimoji="1" lang="zh-CN" altLang="en-US" dirty="0"/>
               <a:t>，如</a:t>
             </a:r>
             <a:r>
-              <a:rPr kumimoji="1" lang="en-US" altLang="zh-CN" dirty="0" smtClean="0"/>
+              <a:rPr kumimoji="1" lang="en-US" altLang="zh-CN" dirty="0"/>
               <a:t>jar</a:t>
             </a:r>
             <a:r>
-              <a:rPr kumimoji="1" lang="zh-CN" altLang="en-US" dirty="0" smtClean="0"/>
+              <a:rPr kumimoji="1" lang="zh-CN" altLang="en-US" dirty="0"/>
               <a:t>、</a:t>
             </a:r>
             <a:r>
-              <a:rPr kumimoji="1" lang="en-US" altLang="zh-CN" dirty="0" err="1" smtClean="0"/>
+              <a:rPr kumimoji="1" lang="en-US" altLang="zh-CN" dirty="0" err="1"/>
               <a:t>dll</a:t>
             </a:r>
             <a:r>
-              <a:rPr kumimoji="1" lang="zh-CN" altLang="en-US" dirty="0" smtClean="0"/>
+              <a:rPr kumimoji="1" lang="zh-CN" altLang="en-US" dirty="0"/>
               <a:t>）</a:t>
             </a:r>
             <a:r>
-              <a:rPr lang="zh-CN" altLang="en-US" dirty="0" smtClean="0"/>
+              <a:rPr lang="zh-CN" altLang="en-US" dirty="0"/>
               <a:t> 。</a:t>
             </a:r>
           </a:p>
@@ -15569,7 +15470,7 @@
               </a:spcBef>
             </a:pPr>
             <a:r>
-              <a:rPr lang="zh-CN" altLang="en-US" dirty="0" smtClean="0"/>
+              <a:rPr lang="zh-CN" altLang="en-US" dirty="0"/>
               <a:t>可以采用模块结构图（结构化方法）、类图（面向对象方法）、构件图等描述软件结构。</a:t>
             </a:r>
           </a:p>
@@ -15582,7 +15483,7 @@
                 <a:spcPts val="0"/>
               </a:spcBef>
             </a:pPr>
-            <a:endParaRPr lang="zh-CN" altLang="en-US" dirty="0" smtClean="0"/>
+            <a:endParaRPr lang="zh-CN" altLang="en-US" dirty="0"/>
           </a:p>
           <a:p>
             <a:pPr eaLnBrk="1" hangingPunct="1">
@@ -15594,7 +15495,7 @@
               </a:spcBef>
             </a:pPr>
             <a:r>
-              <a:rPr lang="zh-CN" altLang="en-US" dirty="0" smtClean="0"/>
+              <a:rPr lang="zh-CN" altLang="en-US" dirty="0"/>
               <a:t>动态模型</a:t>
             </a:r>
           </a:p>
@@ -15608,7 +15509,7 @@
               </a:spcBef>
             </a:pPr>
             <a:r>
-              <a:rPr lang="zh-CN" altLang="en-US" dirty="0" smtClean="0"/>
+              <a:rPr lang="zh-CN" altLang="en-US" dirty="0"/>
               <a:t>主要表示软件执行动作的步骤和流程控制。</a:t>
             </a:r>
           </a:p>
@@ -15622,7 +15523,7 @@
               </a:spcBef>
             </a:pPr>
             <a:r>
-              <a:rPr lang="zh-CN" altLang="en-US" dirty="0" smtClean="0"/>
+              <a:rPr lang="zh-CN" altLang="en-US" dirty="0"/>
               <a:t>程序流程图（结构化方法） 、顺序图（面向对象方法）</a:t>
             </a:r>
           </a:p>
@@ -15638,13 +15539,6 @@
   <p:clrMapOvr>
     <a:masterClrMapping/>
   </p:clrMapOvr>
-  <p:timing>
-    <p:tnLst>
-      <p:par>
-        <p:cTn id="1" dur="indefinite" restart="never" nodeType="tmRoot"/>
-      </p:par>
-    </p:tnLst>
-  </p:timing>
 </p:sld>
 </file>
 
@@ -15682,7 +15576,7 @@
           <a:p>
             <a:pPr eaLnBrk="1" hangingPunct="1"/>
             <a:r>
-              <a:rPr lang="zh-CN" altLang="en-US" smtClean="0"/>
+              <a:rPr lang="zh-CN" altLang="en-US"/>
               <a:t>详细设计内容</a:t>
             </a:r>
           </a:p>
@@ -15707,64 +15601,64 @@
           <a:p>
             <a:pPr eaLnBrk="1" hangingPunct="1"/>
             <a:r>
-              <a:rPr lang="zh-CN" altLang="en-US" smtClean="0"/>
+              <a:rPr lang="zh-CN" altLang="en-US"/>
               <a:t>包括：</a:t>
             </a:r>
           </a:p>
           <a:p>
             <a:pPr lvl="1" eaLnBrk="1" hangingPunct="1"/>
             <a:r>
-              <a:rPr kumimoji="1" lang="zh-CN" altLang="en-US" smtClean="0"/>
+              <a:rPr kumimoji="1" lang="zh-CN" altLang="en-US"/>
               <a:t>输入设计</a:t>
             </a:r>
           </a:p>
           <a:p>
             <a:pPr lvl="1" eaLnBrk="1" hangingPunct="1"/>
             <a:r>
-              <a:rPr kumimoji="1" lang="zh-CN" altLang="en-US" smtClean="0"/>
+              <a:rPr kumimoji="1" lang="zh-CN" altLang="en-US"/>
               <a:t>输出设计</a:t>
             </a:r>
           </a:p>
           <a:p>
             <a:pPr lvl="1" eaLnBrk="1" hangingPunct="1"/>
             <a:r>
-              <a:rPr kumimoji="1" lang="zh-CN" altLang="en-US" smtClean="0"/>
+              <a:rPr kumimoji="1" lang="zh-CN" altLang="en-US"/>
               <a:t>人机交互设计（用户界面设计）</a:t>
             </a:r>
           </a:p>
           <a:p>
             <a:pPr lvl="1" eaLnBrk="1" hangingPunct="1"/>
             <a:r>
-              <a:rPr kumimoji="1" lang="zh-CN" altLang="en-US" smtClean="0"/>
+              <a:rPr kumimoji="1" lang="zh-CN" altLang="en-US"/>
               <a:t>模块处理过程详细设计</a:t>
             </a:r>
             <a:r>
-              <a:rPr kumimoji="1" lang="en-US" altLang="zh-CN" smtClean="0"/>
+              <a:rPr kumimoji="1" lang="en-US" altLang="zh-CN"/>
               <a:t>/</a:t>
             </a:r>
             <a:r>
-              <a:rPr kumimoji="1" lang="zh-CN" altLang="en-US" smtClean="0"/>
+              <a:rPr kumimoji="1" lang="zh-CN" altLang="en-US"/>
               <a:t>类及用例的详细设计</a:t>
             </a:r>
           </a:p>
           <a:p>
             <a:pPr lvl="1" eaLnBrk="1" hangingPunct="1"/>
             <a:r>
-              <a:rPr kumimoji="1" lang="zh-CN" altLang="en-US" smtClean="0"/>
+              <a:rPr kumimoji="1" lang="zh-CN" altLang="en-US"/>
               <a:t>数据库设计</a:t>
             </a:r>
           </a:p>
           <a:p>
             <a:pPr lvl="1" eaLnBrk="1" hangingPunct="1"/>
             <a:r>
-              <a:rPr kumimoji="1" lang="zh-CN" altLang="en-US" smtClean="0"/>
+              <a:rPr kumimoji="1" lang="zh-CN" altLang="en-US"/>
               <a:t>事物代码体系设计</a:t>
             </a:r>
           </a:p>
           <a:p>
             <a:pPr lvl="1" eaLnBrk="1" hangingPunct="1"/>
             <a:r>
-              <a:rPr kumimoji="1" lang="zh-CN" altLang="en-US" smtClean="0"/>
+              <a:rPr kumimoji="1" lang="zh-CN" altLang="en-US"/>
               <a:t>计算机系统和网络设计</a:t>
             </a:r>
           </a:p>
@@ -15780,13 +15674,6 @@
   <p:clrMapOvr>
     <a:masterClrMapping/>
   </p:clrMapOvr>
-  <p:timing>
-    <p:tnLst>
-      <p:par>
-        <p:cTn id="1" dur="indefinite" restart="never" nodeType="tmRoot"/>
-      </p:par>
-    </p:tnLst>
-  </p:timing>
 </p:sld>
 </file>
 
@@ -15824,11 +15711,11 @@
           <a:p>
             <a:pPr eaLnBrk="1" hangingPunct="1"/>
             <a:r>
-              <a:rPr lang="en-US" altLang="zh-CN" smtClean="0"/>
+              <a:rPr lang="en-US" altLang="zh-CN"/>
               <a:t>9.3 </a:t>
             </a:r>
             <a:r>
-              <a:rPr lang="zh-CN" altLang="en-US" smtClean="0"/>
+              <a:rPr lang="zh-CN" altLang="en-US"/>
               <a:t>系统设计说明书 </a:t>
             </a:r>
           </a:p>
@@ -15856,35 +15743,35 @@
           <a:p>
             <a:pPr eaLnBrk="1" hangingPunct="1"/>
             <a:r>
-              <a:rPr lang="zh-CN" altLang="en-US" dirty="0" smtClean="0"/>
+              <a:rPr lang="zh-CN" altLang="en-US" dirty="0"/>
               <a:t>设计完成，提交系统设计书，两种形式：</a:t>
             </a:r>
           </a:p>
           <a:p>
             <a:pPr lvl="1" eaLnBrk="1" hangingPunct="1"/>
             <a:r>
-              <a:rPr lang="zh-CN" altLang="en-US" dirty="0" smtClean="0"/>
+              <a:rPr lang="zh-CN" altLang="en-US" dirty="0"/>
               <a:t>单册报告，分章节介绍系统架构、总体结构、编码体系、输入</a:t>
             </a:r>
             <a:r>
-              <a:rPr lang="en-US" altLang="zh-CN" dirty="0" smtClean="0"/>
+              <a:rPr lang="en-US" altLang="zh-CN" dirty="0"/>
               <a:t>/</a:t>
             </a:r>
             <a:r>
-              <a:rPr lang="zh-CN" altLang="en-US" dirty="0" smtClean="0"/>
+              <a:rPr lang="zh-CN" altLang="en-US" dirty="0"/>
               <a:t>输出、人机交互、数据库、网络等各部分内容</a:t>
             </a:r>
           </a:p>
           <a:p>
             <a:pPr lvl="1" eaLnBrk="1" hangingPunct="1"/>
             <a:r>
-              <a:rPr lang="zh-CN" altLang="en-US" dirty="0" smtClean="0"/>
+              <a:rPr lang="zh-CN" altLang="en-US" dirty="0"/>
               <a:t>多册，以上各部分单独书写成册，如总体设计报告、用户界面设计报告、数据库设计报告、网络详细设计报告等</a:t>
             </a:r>
           </a:p>
           <a:p>
             <a:pPr eaLnBrk="1" hangingPunct="1"/>
-            <a:endParaRPr lang="en-US" altLang="zh-CN" dirty="0" smtClean="0"/>
+            <a:endParaRPr lang="en-US" altLang="zh-CN" dirty="0"/>
           </a:p>
         </p:txBody>
       </p:sp>
@@ -15898,13 +15785,6 @@
   <p:clrMapOvr>
     <a:masterClrMapping/>
   </p:clrMapOvr>
-  <p:timing>
-    <p:tnLst>
-      <p:par>
-        <p:cTn id="1" dur="indefinite" restart="never" nodeType="tmRoot"/>
-      </p:par>
-    </p:tnLst>
-  </p:timing>
 </p:sld>
 </file>
 
@@ -15947,7 +15827,7 @@
           <a:p>
             <a:pPr algn="ctr" eaLnBrk="1" hangingPunct="1"/>
             <a:r>
-              <a:rPr lang="zh-CN" altLang="en-US" dirty="0" smtClean="0"/>
+              <a:rPr lang="zh-CN" altLang="en-US" dirty="0"/>
               <a:t>什么是设计？</a:t>
             </a:r>
           </a:p>
@@ -15987,7 +15867,7 @@
               </a:spcAft>
             </a:pPr>
             <a:r>
-              <a:rPr lang="zh-CN" altLang="en-US" sz="1600" dirty="0" smtClean="0"/>
+              <a:rPr lang="zh-CN" altLang="en-US" sz="1600" dirty="0"/>
               <a:t>比如服装</a:t>
             </a:r>
           </a:p>
@@ -16004,7 +15884,7 @@
               </a:spcAft>
             </a:pPr>
             <a:r>
-              <a:rPr lang="zh-CN" altLang="en-US" sz="1600" dirty="0" smtClean="0"/>
+              <a:rPr lang="zh-CN" altLang="en-US" sz="1600" dirty="0"/>
               <a:t>通过分析获得某个人或某个群体的需要（根据职业、场合、身材、气质风格、个人要求等进行分析，确定需求）</a:t>
             </a:r>
           </a:p>
@@ -16021,10 +15901,10 @@
               </a:spcAft>
             </a:pPr>
             <a:r>
-              <a:rPr lang="zh-CN" altLang="en-US" sz="1600" dirty="0" smtClean="0"/>
+              <a:rPr lang="zh-CN" altLang="en-US" sz="1600" dirty="0"/>
               <a:t>设计则是根据需求完成具体服装式样的裁剪设计图，以及材料选择、配饰设计等</a:t>
             </a:r>
-            <a:endParaRPr lang="en-US" altLang="zh-CN" sz="1600" dirty="0" smtClean="0"/>
+            <a:endParaRPr lang="en-US" altLang="zh-CN" sz="1600" dirty="0"/>
           </a:p>
           <a:p>
             <a:pPr lvl="1" eaLnBrk="1" hangingPunct="1">
@@ -16039,7 +15919,7 @@
               </a:spcAft>
             </a:pPr>
             <a:r>
-              <a:rPr lang="zh-CN" altLang="en-US" sz="1600" dirty="0" smtClean="0"/>
+              <a:rPr lang="zh-CN" altLang="en-US" sz="1600" dirty="0"/>
               <a:t>以下是设计图：</a:t>
             </a:r>
           </a:p>
@@ -16329,13 +16209,6 @@
   <p:clrMapOvr>
     <a:masterClrMapping/>
   </p:clrMapOvr>
-  <p:timing>
-    <p:tnLst>
-      <p:par>
-        <p:cTn id="1" dur="indefinite" restart="never" nodeType="tmRoot"/>
-      </p:par>
-    </p:tnLst>
-  </p:timing>
 </p:sld>
 </file>
 
@@ -16535,7 +16408,7 @@
           <a:graphicData uri="http://schemas.openxmlformats.org/presentationml/2006/ole">
             <mc:AlternateContent xmlns:mc="http://schemas.openxmlformats.org/markup-compatibility/2006">
               <mc:Choice xmlns:v="urn:schemas-microsoft-com:vml" Requires="v">
-                <p:oleObj spid="_x0000_s5142" name="位图图像" r:id="rId3" imgW="895238" imgH="905001" progId="Paint.Picture">
+                <p:oleObj spid="_x0000_s5144" name="位图图像" r:id="rId3" imgW="895238" imgH="905001" progId="Paint.Picture">
                   <p:embed/>
                 </p:oleObj>
               </mc:Choice>
@@ -16628,7 +16501,7 @@
           <a:graphicData uri="http://schemas.openxmlformats.org/presentationml/2006/ole">
             <mc:AlternateContent xmlns:mc="http://schemas.openxmlformats.org/markup-compatibility/2006">
               <mc:Choice xmlns:v="urn:schemas-microsoft-com:vml" Requires="v">
-                <p:oleObj spid="_x0000_s5143" name="位图图像" r:id="rId5" imgW="905001" imgH="905001" progId="Paint.Picture">
+                <p:oleObj spid="_x0000_s5145" name="位图图像" r:id="rId5" imgW="905001" imgH="905001" progId="Paint.Picture">
                   <p:embed/>
                 </p:oleObj>
               </mc:Choice>
@@ -16948,7 +16821,7 @@
           <a:p>
             <a:pPr eaLnBrk="1" hangingPunct="1"/>
             <a:r>
-              <a:rPr lang="zh-CN" altLang="en-US" dirty="0" smtClean="0"/>
+              <a:rPr lang="zh-CN" altLang="en-US" dirty="0"/>
               <a:t>信息系统的设计</a:t>
             </a:r>
           </a:p>
@@ -18503,11 +18376,11 @@
           <a:p>
             <a:pPr eaLnBrk="1" hangingPunct="1"/>
             <a:r>
-              <a:rPr lang="en-US" altLang="zh-CN" smtClean="0"/>
+              <a:rPr lang="en-US" altLang="zh-CN"/>
               <a:t>9.1 </a:t>
             </a:r>
             <a:r>
-              <a:rPr lang="zh-CN" altLang="en-US" smtClean="0"/>
+              <a:rPr lang="zh-CN" altLang="en-US"/>
               <a:t>系统设计的任务要求</a:t>
             </a:r>
           </a:p>
@@ -18532,49 +18405,49 @@
           <a:p>
             <a:pPr eaLnBrk="1" hangingPunct="1"/>
             <a:r>
-              <a:rPr lang="zh-CN" altLang="en-US" dirty="0" smtClean="0"/>
+              <a:rPr lang="zh-CN" altLang="en-US" dirty="0"/>
               <a:t>通俗地说，设计就是要回答</a:t>
             </a:r>
             <a:r>
-              <a:rPr lang="zh-CN" altLang="en-US" dirty="0" smtClean="0">
+              <a:rPr lang="zh-CN" altLang="en-US" dirty="0">
                 <a:latin typeface="华文中宋" panose="02010600040101010101" pitchFamily="2" charset="-122"/>
               </a:rPr>
               <a:t>“</a:t>
             </a:r>
             <a:r>
-              <a:rPr lang="zh-CN" altLang="en-US" dirty="0" smtClean="0"/>
+              <a:rPr lang="zh-CN" altLang="en-US" dirty="0"/>
               <a:t>怎么做</a:t>
             </a:r>
             <a:r>
-              <a:rPr lang="zh-CN" altLang="en-US" dirty="0" smtClean="0">
+              <a:rPr lang="zh-CN" altLang="en-US" dirty="0">
                 <a:latin typeface="华文中宋" panose="02010600040101010101" pitchFamily="2" charset="-122"/>
               </a:rPr>
               <a:t>”</a:t>
             </a:r>
-            <a:endParaRPr lang="zh-CN" altLang="en-US" dirty="0" smtClean="0"/>
+            <a:endParaRPr lang="zh-CN" altLang="en-US" dirty="0"/>
           </a:p>
           <a:p>
             <a:pPr eaLnBrk="1" hangingPunct="1"/>
-            <a:endParaRPr lang="zh-CN" altLang="en-US" dirty="0" smtClean="0"/>
+            <a:endParaRPr lang="zh-CN" altLang="en-US" dirty="0"/>
           </a:p>
           <a:p>
             <a:pPr eaLnBrk="1" hangingPunct="1"/>
             <a:r>
-              <a:rPr lang="zh-CN" altLang="en-US" dirty="0" smtClean="0"/>
+              <a:rPr lang="zh-CN" altLang="en-US" dirty="0"/>
               <a:t>完成技术实现方案的制定，即信息系统的物理模型</a:t>
             </a:r>
           </a:p>
           <a:p>
             <a:pPr lvl="1" eaLnBrk="1" hangingPunct="1"/>
             <a:r>
-              <a:rPr lang="zh-CN" altLang="en-US" dirty="0" smtClean="0"/>
+              <a:rPr lang="zh-CN" altLang="en-US" dirty="0"/>
               <a:t>一个逻辑模型，可以提出多个物理模型</a:t>
             </a:r>
           </a:p>
           <a:p>
             <a:pPr lvl="1" eaLnBrk="1" hangingPunct="1"/>
             <a:r>
-              <a:rPr lang="zh-CN" altLang="en-US" dirty="0" smtClean="0"/>
+              <a:rPr lang="zh-CN" altLang="en-US" dirty="0"/>
               <a:t>根据物理模型进行实施，得到最终的物理系统</a:t>
             </a:r>
           </a:p>
@@ -18590,13 +18463,6 @@
   <p:clrMapOvr>
     <a:masterClrMapping/>
   </p:clrMapOvr>
-  <p:timing>
-    <p:tnLst>
-      <p:par>
-        <p:cTn id="1" dur="indefinite" restart="never" nodeType="tmRoot"/>
-      </p:par>
-    </p:tnLst>
-  </p:timing>
 </p:sld>
 </file>
 
@@ -18634,11 +18500,11 @@
           <a:p>
             <a:pPr eaLnBrk="1" hangingPunct="1"/>
             <a:r>
-              <a:rPr lang="en-US" altLang="zh-CN" smtClean="0"/>
+              <a:rPr lang="en-US" altLang="zh-CN"/>
               <a:t>9.1.1 </a:t>
             </a:r>
             <a:r>
-              <a:rPr lang="zh-CN" altLang="en-US" smtClean="0"/>
+              <a:rPr lang="zh-CN" altLang="en-US"/>
               <a:t>系统设计的目标</a:t>
             </a:r>
           </a:p>
@@ -18668,56 +18534,56 @@
           <a:p>
             <a:pPr marL="609600" indent="-609600" eaLnBrk="1" hangingPunct="1"/>
             <a:r>
-              <a:rPr kumimoji="1" lang="zh-CN" altLang="en-US" dirty="0" smtClean="0"/>
+              <a:rPr kumimoji="1" lang="zh-CN" altLang="en-US" dirty="0"/>
               <a:t>设计系统之前，先看看评价信息系统的标准，这些标准对任何设计方法都适用：</a:t>
             </a:r>
           </a:p>
           <a:p>
             <a:pPr marL="990600" lvl="1" indent="-533400" eaLnBrk="1" hangingPunct="1"/>
             <a:r>
-              <a:rPr kumimoji="1" lang="zh-CN" altLang="en-US" dirty="0" smtClean="0"/>
+              <a:rPr kumimoji="1" lang="zh-CN" altLang="en-US" dirty="0"/>
               <a:t>信息系统的功能：是否满足用户的需求</a:t>
             </a:r>
           </a:p>
           <a:p>
             <a:pPr marL="990600" lvl="1" indent="-533400" eaLnBrk="1" hangingPunct="1"/>
             <a:r>
-              <a:rPr kumimoji="1" lang="zh-CN" altLang="en-US" dirty="0" smtClean="0"/>
+              <a:rPr kumimoji="1" lang="zh-CN" altLang="en-US" dirty="0"/>
               <a:t>系统的效率：响应时间、操作的方便性</a:t>
             </a:r>
           </a:p>
           <a:p>
             <a:pPr marL="990600" lvl="1" indent="-533400" eaLnBrk="1" hangingPunct="1"/>
             <a:r>
-              <a:rPr kumimoji="1" lang="zh-CN" altLang="en-US" dirty="0" smtClean="0"/>
+              <a:rPr kumimoji="1" lang="zh-CN" altLang="en-US" dirty="0"/>
               <a:t>系统的可靠性：抗干扰能力、故障恢复</a:t>
             </a:r>
           </a:p>
           <a:p>
             <a:pPr marL="990600" lvl="1" indent="-533400" eaLnBrk="1" hangingPunct="1"/>
             <a:r>
-              <a:rPr kumimoji="1" lang="zh-CN" altLang="en-US" dirty="0" smtClean="0"/>
+              <a:rPr kumimoji="1" lang="zh-CN" altLang="en-US" dirty="0"/>
               <a:t>系统的工作质量：准确性、使用效果</a:t>
             </a:r>
           </a:p>
           <a:p>
             <a:pPr marL="990600" lvl="1" indent="-533400" eaLnBrk="1" hangingPunct="1"/>
             <a:r>
-              <a:rPr kumimoji="1" lang="zh-CN" altLang="en-US" dirty="0" smtClean="0"/>
+              <a:rPr kumimoji="1" lang="zh-CN" altLang="en-US" dirty="0"/>
               <a:t>系统的可变更性：修改和维护的难易程度</a:t>
             </a:r>
           </a:p>
           <a:p>
             <a:pPr marL="990600" lvl="1" indent="-533400" eaLnBrk="1" hangingPunct="1"/>
             <a:r>
-              <a:rPr kumimoji="1" lang="zh-CN" altLang="en-US" dirty="0" smtClean="0"/>
+              <a:rPr kumimoji="1" lang="zh-CN" altLang="en-US" dirty="0"/>
               <a:t>系统的经济性：系统收益与支出比</a:t>
             </a:r>
           </a:p>
           <a:p>
             <a:pPr marL="609600" indent="-609600" eaLnBrk="1" hangingPunct="1"/>
             <a:r>
-              <a:rPr lang="zh-CN" altLang="en-US" dirty="0" smtClean="0"/>
+              <a:rPr lang="zh-CN" altLang="en-US" dirty="0"/>
               <a:t>与需求相同，设计的重点也在于软件，因为相对软件，硬件方案的复杂度和多样性较小。</a:t>
             </a:r>
           </a:p>
@@ -18733,13 +18599,6 @@
   <p:clrMapOvr>
     <a:masterClrMapping/>
   </p:clrMapOvr>
-  <p:timing>
-    <p:tnLst>
-      <p:par>
-        <p:cTn id="1" dur="indefinite" restart="never" nodeType="tmRoot"/>
-      </p:par>
-    </p:tnLst>
-  </p:timing>
 </p:sld>
 </file>
 
@@ -18777,7 +18636,7 @@
           <a:p>
             <a:pPr eaLnBrk="1" hangingPunct="1"/>
             <a:r>
-              <a:rPr lang="zh-CN" altLang="en-US" smtClean="0"/>
+              <a:rPr lang="zh-CN" altLang="en-US"/>
               <a:t>信息系统的可变更性</a:t>
             </a:r>
           </a:p>
@@ -18800,41 +18659,41 @@
           <a:p>
             <a:pPr eaLnBrk="1" hangingPunct="1"/>
             <a:r>
-              <a:rPr lang="zh-CN" altLang="en-US" dirty="0" smtClean="0"/>
+              <a:rPr lang="zh-CN" altLang="en-US" dirty="0"/>
               <a:t>变化是不变的真理。</a:t>
             </a:r>
           </a:p>
           <a:p>
             <a:pPr eaLnBrk="1" hangingPunct="1"/>
-            <a:endParaRPr lang="zh-CN" altLang="en-US" dirty="0" smtClean="0"/>
+            <a:endParaRPr lang="zh-CN" altLang="en-US" dirty="0"/>
           </a:p>
           <a:p>
             <a:pPr eaLnBrk="1" hangingPunct="1"/>
             <a:r>
-              <a:rPr lang="zh-CN" altLang="en-US" dirty="0" smtClean="0"/>
+              <a:rPr lang="zh-CN" altLang="en-US" dirty="0"/>
               <a:t>统计表示：在信息系统的整个生命周期中，系统维护成本占总成本的</a:t>
             </a:r>
             <a:r>
-              <a:rPr lang="en-US" altLang="zh-CN" dirty="0" smtClean="0"/>
+              <a:rPr lang="en-US" altLang="zh-CN" dirty="0"/>
               <a:t>80%</a:t>
             </a:r>
             <a:r>
-              <a:rPr lang="zh-CN" altLang="en-US" dirty="0" smtClean="0"/>
+              <a:rPr lang="zh-CN" altLang="en-US" dirty="0"/>
               <a:t>左右。</a:t>
             </a:r>
           </a:p>
           <a:p>
             <a:pPr eaLnBrk="1" hangingPunct="1"/>
-            <a:endParaRPr lang="zh-CN" altLang="en-US" dirty="0" smtClean="0"/>
+            <a:endParaRPr lang="zh-CN" altLang="en-US" dirty="0"/>
           </a:p>
           <a:p>
             <a:pPr eaLnBrk="1" hangingPunct="1"/>
             <a:r>
-              <a:rPr lang="zh-CN" altLang="en-US" dirty="0" smtClean="0"/>
+              <a:rPr lang="zh-CN" altLang="en-US" dirty="0"/>
               <a:t>因此，</a:t>
             </a:r>
             <a:r>
-              <a:rPr lang="zh-CN" altLang="en-US" sz="3600" dirty="0" smtClean="0">
+              <a:rPr lang="zh-CN" altLang="en-US" sz="3600" dirty="0">
                 <a:solidFill>
                   <a:srgbClr val="FF0000"/>
                 </a:solidFill>
@@ -18842,7 +18701,7 @@
               <a:t>可变更性</a:t>
             </a:r>
             <a:r>
-              <a:rPr lang="zh-CN" altLang="en-US" dirty="0" smtClean="0"/>
+              <a:rPr lang="zh-CN" altLang="en-US" dirty="0"/>
               <a:t>是衡量信息系统设计的重要指标。</a:t>
             </a:r>
           </a:p>
@@ -18858,13 +18717,6 @@
   <p:clrMapOvr>
     <a:masterClrMapping/>
   </p:clrMapOvr>
-  <p:timing>
-    <p:tnLst>
-      <p:par>
-        <p:cTn id="1" dur="indefinite" restart="never" nodeType="tmRoot"/>
-      </p:par>
-    </p:tnLst>
-  </p:timing>
 </p:sld>
 </file>
 
@@ -18902,11 +18754,11 @@
           <a:p>
             <a:pPr eaLnBrk="1" hangingPunct="1"/>
             <a:r>
-              <a:rPr lang="en-US" altLang="zh-CN" smtClean="0"/>
+              <a:rPr lang="en-US" altLang="zh-CN"/>
               <a:t>9.1.2 </a:t>
             </a:r>
             <a:r>
-              <a:rPr lang="zh-CN" altLang="en-US" smtClean="0"/>
+              <a:rPr lang="zh-CN" altLang="en-US"/>
               <a:t>良好的结构设计</a:t>
             </a:r>
           </a:p>
@@ -18938,7 +18790,7 @@
               </a:lnSpc>
             </a:pPr>
             <a:r>
-              <a:rPr lang="zh-CN" altLang="en-US" dirty="0" smtClean="0"/>
+              <a:rPr lang="zh-CN" altLang="en-US" dirty="0"/>
               <a:t>结构简单</a:t>
             </a:r>
           </a:p>
@@ -18949,7 +18801,7 @@
               </a:lnSpc>
             </a:pPr>
             <a:r>
-              <a:rPr lang="zh-CN" altLang="en-US" dirty="0" smtClean="0"/>
+              <a:rPr lang="zh-CN" altLang="en-US" dirty="0"/>
               <a:t>系统各组成元素分工明确，易于理解</a:t>
             </a:r>
           </a:p>
@@ -18960,7 +18812,7 @@
               </a:lnSpc>
             </a:pPr>
             <a:r>
-              <a:rPr lang="zh-CN" altLang="en-US" dirty="0" smtClean="0"/>
+              <a:rPr lang="zh-CN" altLang="en-US" dirty="0"/>
               <a:t>元素之间的关系清晰简洁</a:t>
             </a:r>
           </a:p>
@@ -18972,7 +18824,7 @@
               <a:buFont typeface="Wingdings" panose="05000000000000000000" pitchFamily="2" charset="2"/>
               <a:buNone/>
             </a:pPr>
-            <a:endParaRPr lang="zh-CN" altLang="en-US" dirty="0" smtClean="0"/>
+            <a:endParaRPr lang="zh-CN" altLang="en-US" dirty="0"/>
           </a:p>
           <a:p>
             <a:pPr eaLnBrk="1" hangingPunct="1">
@@ -18981,7 +18833,7 @@
               </a:lnSpc>
             </a:pPr>
             <a:r>
-              <a:rPr lang="zh-CN" altLang="en-US" dirty="0" smtClean="0"/>
+              <a:rPr lang="zh-CN" altLang="en-US" dirty="0"/>
               <a:t>变动灵活</a:t>
             </a:r>
           </a:p>
@@ -18992,7 +18844,7 @@
               </a:lnSpc>
             </a:pPr>
             <a:r>
-              <a:rPr lang="zh-CN" altLang="en-US" dirty="0" smtClean="0"/>
+              <a:rPr lang="zh-CN" altLang="en-US" dirty="0"/>
               <a:t>谨防软件维护中的“水波效应”</a:t>
             </a:r>
           </a:p>
@@ -19003,7 +18855,7 @@
               </a:lnSpc>
             </a:pPr>
             <a:r>
-              <a:rPr lang="zh-CN" altLang="en-US" dirty="0" smtClean="0"/>
+              <a:rPr lang="zh-CN" altLang="en-US" dirty="0"/>
               <a:t>使系统各组成元素内部的改变容易实现，改动对其它部分的影响尽量减少</a:t>
             </a:r>
           </a:p>
@@ -19014,7 +18866,7 @@
               </a:lnSpc>
             </a:pPr>
             <a:r>
-              <a:rPr lang="zh-CN" altLang="en-US" dirty="0" smtClean="0"/>
+              <a:rPr lang="zh-CN" altLang="en-US" dirty="0"/>
               <a:t>提前考虑将来最易出现的扩展和变更</a:t>
             </a:r>
           </a:p>
@@ -19030,13 +18882,6 @@
   <p:clrMapOvr>
     <a:masterClrMapping/>
   </p:clrMapOvr>
-  <p:timing>
-    <p:tnLst>
-      <p:par>
-        <p:cTn id="1" dur="indefinite" restart="never" nodeType="tmRoot"/>
-      </p:par>
-    </p:tnLst>
-  </p:timing>
 </p:sld>
 </file>
 
@@ -19074,11 +18919,11 @@
           <a:p>
             <a:pPr eaLnBrk="1" hangingPunct="1"/>
             <a:r>
-              <a:rPr lang="en-US" altLang="zh-CN" smtClean="0"/>
+              <a:rPr lang="en-US" altLang="zh-CN"/>
               <a:t>1. </a:t>
             </a:r>
             <a:r>
-              <a:rPr lang="zh-CN" altLang="en-US" smtClean="0"/>
+              <a:rPr lang="zh-CN" altLang="en-US"/>
               <a:t>低劣设计带来的问题</a:t>
             </a:r>
           </a:p>
@@ -19115,7 +18960,7 @@
               </a:spcBef>
             </a:pPr>
             <a:r>
-              <a:rPr lang="zh-CN" altLang="en-US" sz="3200" dirty="0" smtClean="0"/>
+              <a:rPr lang="zh-CN" altLang="en-US" sz="3200" dirty="0"/>
               <a:t>糟糕的软件设计可能包含一下症状：</a:t>
             </a:r>
           </a:p>
@@ -19129,15 +18974,15 @@
               </a:spcBef>
             </a:pPr>
             <a:r>
-              <a:rPr lang="zh-CN" altLang="en-US" sz="2400" dirty="0" smtClean="0"/>
+              <a:rPr lang="zh-CN" altLang="en-US" sz="2400" dirty="0"/>
               <a:t>僵化性（</a:t>
             </a:r>
             <a:r>
-              <a:rPr lang="en-US" altLang="zh-CN" sz="2400" dirty="0" smtClean="0"/>
+              <a:rPr lang="en-US" altLang="zh-CN" sz="2400" dirty="0"/>
               <a:t>rigidity</a:t>
             </a:r>
             <a:r>
-              <a:rPr lang="zh-CN" altLang="en-US" sz="2400" dirty="0" smtClean="0"/>
+              <a:rPr lang="zh-CN" altLang="en-US" sz="2400" dirty="0"/>
               <a:t>）：系统很难改变，即使一个简单的改动也会导致大量有耦合关联的其它部分的连锁反应。</a:t>
             </a:r>
           </a:p>
@@ -19151,15 +18996,15 @@
               </a:spcBef>
             </a:pPr>
             <a:r>
-              <a:rPr lang="zh-CN" altLang="en-US" sz="2400" dirty="0" smtClean="0"/>
+              <a:rPr lang="zh-CN" altLang="en-US" sz="2400" dirty="0"/>
               <a:t>脆弱性（</a:t>
             </a:r>
             <a:r>
-              <a:rPr lang="en-US" altLang="zh-CN" sz="2400" dirty="0" smtClean="0"/>
+              <a:rPr lang="en-US" altLang="zh-CN" sz="2400" dirty="0"/>
               <a:t>fragility</a:t>
             </a:r>
             <a:r>
-              <a:rPr lang="zh-CN" altLang="en-US" sz="2400" dirty="0" smtClean="0"/>
+              <a:rPr lang="zh-CN" altLang="en-US" sz="2400" dirty="0"/>
               <a:t>）：改变系统的某个部分，会破坏许多无关的其它部分。</a:t>
             </a:r>
           </a:p>
@@ -19173,15 +19018,15 @@
               </a:spcBef>
             </a:pPr>
             <a:r>
-              <a:rPr lang="zh-CN" altLang="en-US" sz="2400" dirty="0" smtClean="0"/>
+              <a:rPr lang="zh-CN" altLang="en-US" sz="2400" dirty="0"/>
               <a:t>固化性（</a:t>
             </a:r>
             <a:r>
-              <a:rPr lang="en-US" altLang="zh-CN" sz="2400" dirty="0" smtClean="0"/>
+              <a:rPr lang="en-US" altLang="zh-CN" sz="2400" dirty="0"/>
               <a:t>immobility</a:t>
             </a:r>
             <a:r>
-              <a:rPr lang="zh-CN" altLang="en-US" sz="2400" dirty="0" smtClean="0"/>
+              <a:rPr lang="zh-CN" altLang="en-US" sz="2400" dirty="0"/>
               <a:t>）：系统各部分紧密联结无法分开，很难将系统分解成可供其它系统重用的部件。</a:t>
             </a:r>
           </a:p>
@@ -19195,15 +19040,15 @@
               </a:spcBef>
             </a:pPr>
             <a:r>
-              <a:rPr lang="zh-CN" altLang="en-US" sz="2400" dirty="0" smtClean="0"/>
+              <a:rPr lang="zh-CN" altLang="en-US" sz="2400" dirty="0"/>
               <a:t>粘滞性（</a:t>
             </a:r>
             <a:r>
-              <a:rPr lang="en-US" altLang="zh-CN" sz="2400" dirty="0" smtClean="0"/>
+              <a:rPr lang="en-US" altLang="zh-CN" sz="2400" dirty="0"/>
               <a:t>viscosity</a:t>
             </a:r>
             <a:r>
-              <a:rPr lang="zh-CN" altLang="en-US" sz="2400" dirty="0" smtClean="0"/>
+              <a:rPr lang="zh-CN" altLang="en-US" sz="2400" dirty="0"/>
               <a:t>）：当软件需要改动时，设计不容易保持稳定，逐渐脱离最初的设计思路而走样，造成软件不同版本之间存在较大差异。</a:t>
             </a:r>
           </a:p>
@@ -19219,13 +19064,6 @@
   <p:clrMapOvr>
     <a:masterClrMapping/>
   </p:clrMapOvr>
-  <p:timing>
-    <p:tnLst>
-      <p:par>
-        <p:cTn id="1" dur="indefinite" restart="never" nodeType="tmRoot"/>
-      </p:par>
-    </p:tnLst>
-  </p:timing>
 </p:sld>
 </file>
 
